--- a/TP/01_Induction_NAO/Cy_05_Ene_TP_Energetique.pptx
+++ b/TP/01_Induction_NAO/Cy_05_Ene_TP_Energetique.pptx
@@ -122,7 +122,7 @@
   </p:defaultTextStyle>
   <p:extLst>
     <p:ext uri="{EFAFB233-063F-42B5-8137-9DF3F51BA10A}">
-      <p15:sldGuideLst xmlns="" xmlns:p15="http://schemas.microsoft.com/office/powerpoint/2012/main">
+      <p15:sldGuideLst xmlns:p15="http://schemas.microsoft.com/office/powerpoint/2012/main">
         <p15:guide id="1" orient="horz" pos="2160">
           <p15:clr>
             <a:srgbClr val="A4A3A4"/>
@@ -140,7 +140,7 @@
 </file>
 
 <file path=ppt/charts/chart1.xml><?xml version="1.0" encoding="utf-8"?>
-<c:chartSpace xmlns:c="http://schemas.openxmlformats.org/drawingml/2006/chart" xmlns:a="http://schemas.openxmlformats.org/drawingml/2006/main" xmlns:r="http://schemas.openxmlformats.org/officeDocument/2006/relationships">
+<c:chartSpace xmlns:c="http://schemas.openxmlformats.org/drawingml/2006/chart" xmlns:a="http://schemas.openxmlformats.org/drawingml/2006/main" xmlns:r="http://schemas.openxmlformats.org/officeDocument/2006/relationships" xmlns:c16r2="http://schemas.microsoft.com/office/drawing/2015/06/chart">
   <c:date1904 val="0"/>
   <c:lang val="fr-FR"/>
   <c:roundedCorners val="0"/>
@@ -232,7 +232,7 @@
             </c:numRef>
           </c:yVal>
           <c:smooth val="1"/>
-          <c:extLst xmlns:c16r2="http://schemas.microsoft.com/office/drawing/2015/06/chart">
+          <c:extLst>
             <c:ext xmlns:c16="http://schemas.microsoft.com/office/drawing/2014/chart" uri="{C3380CC4-5D6E-409C-BE32-E72D297353CC}">
               <c16:uniqueId val="{00000000-028D-4680-AED3-8FD2C89DFA68}"/>
             </c:ext>
@@ -272,7 +272,6 @@
               </a:p>
             </c:rich>
           </c:tx>
-          <c:layout/>
           <c:overlay val="0"/>
         </c:title>
         <c:numFmt formatCode="General" sourceLinked="1"/>
@@ -307,7 +306,6 @@
               </a:p>
             </c:rich>
           </c:tx>
-          <c:layout/>
           <c:overlay val="0"/>
         </c:title>
         <c:numFmt formatCode="General" sourceLinked="1"/>
@@ -330,7 +328,7 @@
 </file>
 
 <file path=ppt/charts/chart2.xml><?xml version="1.0" encoding="utf-8"?>
-<c:chartSpace xmlns:c="http://schemas.openxmlformats.org/drawingml/2006/chart" xmlns:a="http://schemas.openxmlformats.org/drawingml/2006/main" xmlns:r="http://schemas.openxmlformats.org/officeDocument/2006/relationships">
+<c:chartSpace xmlns:c="http://schemas.openxmlformats.org/drawingml/2006/chart" xmlns:a="http://schemas.openxmlformats.org/drawingml/2006/main" xmlns:r="http://schemas.openxmlformats.org/officeDocument/2006/relationships" xmlns:c16r2="http://schemas.microsoft.com/office/drawing/2015/06/chart">
   <c:date1904 val="0"/>
   <c:lang val="fr-FR"/>
   <c:roundedCorners val="0"/>
@@ -410,7 +408,7 @@
             </c:numRef>
           </c:yVal>
           <c:smooth val="1"/>
-          <c:extLst xmlns:c16r2="http://schemas.microsoft.com/office/drawing/2015/06/chart">
+          <c:extLst>
             <c:ext xmlns:c16="http://schemas.microsoft.com/office/drawing/2014/chart" uri="{C3380CC4-5D6E-409C-BE32-E72D297353CC}">
               <c16:uniqueId val="{00000000-5207-4E44-96A1-DB2D253D5EA4}"/>
             </c:ext>
@@ -450,7 +448,6 @@
               </a:p>
             </c:rich>
           </c:tx>
-          <c:layout/>
           <c:overlay val="0"/>
         </c:title>
         <c:numFmt formatCode="General" sourceLinked="1"/>
@@ -485,7 +482,6 @@
               </a:p>
             </c:rich>
           </c:tx>
-          <c:layout/>
           <c:overlay val="0"/>
         </c:title>
         <c:numFmt formatCode="General" sourceLinked="1"/>
@@ -590,7 +586,7 @@
             <a:fld id="{E494A05E-DEA9-4CEA-A63B-3593EEF3AC45}" type="datetimeFigureOut">
               <a:rPr lang="fr-FR" smtClean="0"/>
               <a:pPr/>
-              <a:t>29/01/2018</a:t>
+              <a:t>18/01/2019</a:t>
             </a:fld>
             <a:endParaRPr lang="fr-FR"/>
           </a:p>
@@ -1090,7 +1086,7 @@
             <a:fld id="{3A961F90-11F6-4966-B0E5-2BB20F714B78}" type="datetime1">
               <a:rPr lang="fr-FR" smtClean="0"/>
               <a:pPr/>
-              <a:t>29/01/2018</a:t>
+              <a:t>18/01/2019</a:t>
             </a:fld>
             <a:endParaRPr lang="fr-FR"/>
           </a:p>
@@ -1451,7 +1447,7 @@
             <a:fld id="{59700BD1-A4B5-444B-B773-B4FDD97DF200}" type="datetime1">
               <a:rPr lang="fr-FR" smtClean="0"/>
               <a:pPr/>
-              <a:t>29/01/2018</a:t>
+              <a:t>18/01/2019</a:t>
             </a:fld>
             <a:endParaRPr lang="fr-FR"/>
           </a:p>
@@ -1628,7 +1624,7 @@
             <a:fld id="{A354AF49-C35E-40F6-8345-CA866716EE79}" type="datetime1">
               <a:rPr lang="fr-FR" smtClean="0"/>
               <a:pPr/>
-              <a:t>29/01/2018</a:t>
+              <a:t>18/01/2019</a:t>
             </a:fld>
             <a:endParaRPr lang="fr-FR"/>
           </a:p>
@@ -1865,7 +1861,7 @@
             <a:fld id="{EAFEF7E1-4A71-4560-AA4D-33BBAAF32357}" type="datetime1">
               <a:rPr lang="fr-FR" smtClean="0"/>
               <a:pPr/>
-              <a:t>29/01/2018</a:t>
+              <a:t>18/01/2019</a:t>
             </a:fld>
             <a:endParaRPr lang="fr-FR"/>
           </a:p>
@@ -2136,7 +2132,7 @@
             <a:fld id="{9BE6CECE-C4BA-493A-9F45-8F69D8200EC9}" type="datetime1">
               <a:rPr lang="fr-FR" smtClean="0"/>
               <a:pPr/>
-              <a:t>29/01/2018</a:t>
+              <a:t>18/01/2019</a:t>
             </a:fld>
             <a:endParaRPr lang="fr-FR"/>
           </a:p>
@@ -2358,7 +2354,7 @@
             <a:fld id="{6B400324-51BB-4021-B482-6C084AB66459}" type="datetime1">
               <a:rPr lang="fr-FR" smtClean="0"/>
               <a:pPr/>
-              <a:t>29/01/2018</a:t>
+              <a:t>18/01/2019</a:t>
             </a:fld>
             <a:endParaRPr lang="fr-FR"/>
           </a:p>
@@ -2712,7 +2708,7 @@
             <a:fld id="{87C4A39B-E1E0-4B19-A965-1E1097FB3AF3}" type="datetime1">
               <a:rPr lang="fr-FR" smtClean="0"/>
               <a:pPr/>
-              <a:t>29/01/2018</a:t>
+              <a:t>18/01/2019</a:t>
             </a:fld>
             <a:endParaRPr lang="fr-FR"/>
           </a:p>
@@ -2946,7 +2942,7 @@
             <a:fld id="{CEF5A761-699F-4B94-BA43-1E8C0C9C554B}" type="datetime1">
               <a:rPr lang="fr-FR" smtClean="0"/>
               <a:pPr/>
-              <a:t>29/01/2018</a:t>
+              <a:t>18/01/2019</a:t>
             </a:fld>
             <a:endParaRPr lang="fr-FR"/>
           </a:p>
@@ -3088,7 +3084,7 @@
             <a:fld id="{E407DE65-0759-4C9C-9804-8C4C0AC5F8D7}" type="datetime1">
               <a:rPr lang="fr-FR" smtClean="0"/>
               <a:pPr/>
-              <a:t>29/01/2018</a:t>
+              <a:t>18/01/2019</a:t>
             </a:fld>
             <a:endParaRPr lang="fr-FR"/>
           </a:p>
@@ -3367,7 +3363,7 @@
             <a:fld id="{6DCAF433-E5EB-4B74-B8BB-3F6D9EEAE800}" type="datetime1">
               <a:rPr lang="fr-FR" smtClean="0"/>
               <a:pPr/>
-              <a:t>29/01/2018</a:t>
+              <a:t>18/01/2019</a:t>
             </a:fld>
             <a:endParaRPr lang="fr-FR"/>
           </a:p>
@@ -3776,7 +3772,7 @@
             <a:fld id="{E5AEAC06-18E9-471A-B77A-CDA5C363BF1F}" type="datetime1">
               <a:rPr lang="fr-FR" smtClean="0"/>
               <a:pPr/>
-              <a:t>29/01/2018</a:t>
+              <a:t>18/01/2019</a:t>
             </a:fld>
             <a:endParaRPr lang="fr-FR"/>
           </a:p>
@@ -4116,7 +4112,7 @@
             <a:fld id="{B9178431-C703-4FD6-9F6F-E8F5512852E2}" type="datetime1">
               <a:rPr lang="fr-FR" smtClean="0"/>
               <a:pPr/>
-              <a:t>29/01/2018</a:t>
+              <a:t>18/01/2019</a:t>
             </a:fld>
             <a:endParaRPr lang="fr-FR"/>
           </a:p>
@@ -4668,24 +4664,15 @@
           <a:p>
             <a:r>
               <a:rPr lang="fr-FR" dirty="0"/>
-              <a:t>Cycle </a:t>
-            </a:r>
-            <a:r>
-              <a:rPr lang="fr-FR" dirty="0" smtClean="0"/>
-              <a:t>5</a:t>
-            </a:r>
-            <a:r>
-              <a:rPr lang="fr-FR" dirty="0"/>
-              <a:t/>
+              <a:t>Cycle 5</a:t>
             </a:r>
             <a:br>
               <a:rPr lang="fr-FR" dirty="0"/>
             </a:br>
             <a:r>
-              <a:rPr lang="fr-FR" dirty="0" smtClean="0"/>
+              <a:rPr lang="fr-FR" dirty="0"/>
               <a:t>Évaluation de la consommation énergétique de la cheville NAO</a:t>
             </a:r>
-            <a:endParaRPr lang="fr-FR" dirty="0"/>
           </a:p>
         </p:txBody>
       </p:sp>
@@ -5070,13 +5057,6 @@
   <p:clrMapOvr>
     <a:masterClrMapping/>
   </p:clrMapOvr>
-  <p:timing>
-    <p:tnLst>
-      <p:par>
-        <p:cTn id="1" dur="indefinite" restart="never" nodeType="tmRoot"/>
-      </p:par>
-    </p:tnLst>
-  </p:timing>
 </p:sld>
 </file>
 
@@ -5184,7 +5164,7 @@
                       <m:sSubPr>
                         <m:ctrlPr>
                           <a:rPr lang="fr-FR" b="0" i="1" smtClean="0">
-                            <a:latin typeface="Cambria Math"/>
+                            <a:latin typeface="Cambria Math" panose="02040503050406030204" pitchFamily="18" charset="0"/>
                           </a:rPr>
                         </m:ctrlPr>
                       </m:sSubPr>
@@ -5215,7 +5195,7 @@
                       <m:sSubPr>
                         <m:ctrlPr>
                           <a:rPr lang="fr-FR" b="0" i="1" smtClean="0">
-                            <a:latin typeface="Cambria Math"/>
+                            <a:latin typeface="Cambria Math" panose="02040503050406030204" pitchFamily="18" charset="0"/>
                           </a:rPr>
                         </m:ctrlPr>
                       </m:sSubPr>
@@ -5252,19 +5232,18 @@
                   <a:rPr lang="fr-FR" dirty="0"/>
                   <a:t>Expérimentation possible : </a:t>
                 </a:r>
-                <a:endParaRPr lang="fr-FR" dirty="0" smtClean="0"/>
               </a:p>
               <a:p>
                 <a:pPr lvl="3"/>
                 <a:r>
-                  <a:rPr lang="fr-FR" dirty="0" smtClean="0"/>
+                  <a:rPr lang="fr-FR" dirty="0"/>
                   <a:t>1</a:t>
                 </a:r>
               </a:p>
               <a:p>
                 <a:pPr lvl="4"/>
                 <a:r>
-                  <a:rPr lang="fr-FR" dirty="0" smtClean="0"/>
+                  <a:rPr lang="fr-FR" dirty="0"/>
                   <a:t>Chute libre d’une masse</a:t>
                 </a:r>
               </a:p>
@@ -5305,7 +5284,7 @@
                       <m:sSubPr>
                         <m:ctrlPr>
                           <a:rPr lang="fr-FR" i="1">
-                            <a:latin typeface="Cambria Math"/>
+                            <a:latin typeface="Cambria Math" panose="02040503050406030204" pitchFamily="18" charset="0"/>
                           </a:rPr>
                         </m:ctrlPr>
                       </m:sSubPr>
@@ -5413,13 +5392,6 @@
   <p:clrMapOvr>
     <a:masterClrMapping/>
   </p:clrMapOvr>
-  <p:timing>
-    <p:tnLst>
-      <p:par>
-        <p:cTn id="1" dur="indefinite" restart="never" nodeType="tmRoot"/>
-      </p:par>
-    </p:tnLst>
-  </p:timing>
 </p:sld>
 </file>
 
@@ -5880,13 +5852,6 @@
   <p:clrMapOvr>
     <a:masterClrMapping/>
   </p:clrMapOvr>
-  <p:timing>
-    <p:tnLst>
-      <p:par>
-        <p:cTn id="1" dur="indefinite" restart="never" nodeType="tmRoot"/>
-      </p:par>
-    </p:tnLst>
-  </p:timing>
 </p:sld>
 </file>
 
@@ -6288,18 +6253,13 @@
           <a:p>
             <a:pPr algn="ctr"/>
             <a:r>
-              <a:rPr lang="fr-FR" sz="2800" b="1" dirty="0" smtClean="0">
+              <a:rPr lang="fr-FR" sz="2800" b="1" dirty="0">
                 <a:solidFill>
                   <a:srgbClr val="FF0000"/>
                 </a:solidFill>
               </a:rPr>
               <a:t>A prendre avec des pincettes</a:t>
             </a:r>
-            <a:endParaRPr lang="fr-FR" sz="2800" b="1" dirty="0">
-              <a:solidFill>
-                <a:srgbClr val="FF0000"/>
-              </a:solidFill>
-            </a:endParaRPr>
           </a:p>
         </p:txBody>
       </p:sp>
@@ -6362,11 +6322,7 @@
             <a:pPr lvl="1"/>
             <a:r>
               <a:rPr lang="fr-FR" dirty="0"/>
-              <a:t>Prise en charge du fait que la charge peut devenir </a:t>
-            </a:r>
-            <a:r>
-              <a:rPr lang="fr-FR" dirty="0" smtClean="0"/>
-              <a:t>motrice</a:t>
+              <a:t>Prise en charge du fait que la charge peut devenir motrice</a:t>
             </a:r>
           </a:p>
           <a:p>
@@ -7733,7 +7689,7 @@
                           <m:dPr>
                             <m:ctrlPr>
                               <a:rPr lang="fr-FR" sz="1000" i="1" smtClean="0">
-                                <a:latin typeface="Cambria Math"/>
+                                <a:latin typeface="Cambria Math" panose="02040503050406030204" pitchFamily="18" charset="0"/>
                               </a:rPr>
                             </m:ctrlPr>
                           </m:dPr>
@@ -7755,7 +7711,7 @@
                                 <m:chr m:val="⃗"/>
                                 <m:ctrlPr>
                                   <a:rPr lang="fr-FR" sz="1000" b="0" i="1" smtClean="0">
-                                    <a:latin typeface="Cambria Math"/>
+                                    <a:latin typeface="Cambria Math" panose="02040503050406030204" pitchFamily="18" charset="0"/>
                                   </a:rPr>
                                 </m:ctrlPr>
                               </m:accPr>
@@ -7859,7 +7815,7 @@
                           <m:dPr>
                             <m:ctrlPr>
                               <a:rPr lang="fr-FR" sz="1000" i="1" smtClean="0">
-                                <a:latin typeface="Cambria Math"/>
+                                <a:latin typeface="Cambria Math" panose="02040503050406030204" pitchFamily="18" charset="0"/>
                               </a:rPr>
                             </m:ctrlPr>
                           </m:dPr>
@@ -7881,7 +7837,7 @@
                                 <m:chr m:val="⃗"/>
                                 <m:ctrlPr>
                                   <a:rPr lang="fr-FR" sz="1000" b="0" i="1" smtClean="0">
-                                    <a:latin typeface="Cambria Math"/>
+                                    <a:latin typeface="Cambria Math" panose="02040503050406030204" pitchFamily="18" charset="0"/>
                                   </a:rPr>
                                 </m:ctrlPr>
                               </m:accPr>
@@ -7985,7 +7941,7 @@
                           <m:dPr>
                             <m:ctrlPr>
                               <a:rPr lang="fr-FR" sz="1000" i="1" smtClean="0">
-                                <a:latin typeface="Cambria Math"/>
+                                <a:latin typeface="Cambria Math" panose="02040503050406030204" pitchFamily="18" charset="0"/>
                               </a:rPr>
                             </m:ctrlPr>
                           </m:dPr>
@@ -8007,7 +7963,7 @@
                                 <m:chr m:val="⃗"/>
                                 <m:ctrlPr>
                                   <a:rPr lang="fr-FR" sz="1000" b="0" i="1" smtClean="0">
-                                    <a:latin typeface="Cambria Math"/>
+                                    <a:latin typeface="Cambria Math" panose="02040503050406030204" pitchFamily="18" charset="0"/>
                                   </a:rPr>
                                 </m:ctrlPr>
                               </m:accPr>
@@ -8111,7 +8067,7 @@
                           <m:dPr>
                             <m:ctrlPr>
                               <a:rPr lang="fr-FR" sz="1000" i="1" smtClean="0">
-                                <a:latin typeface="Cambria Math"/>
+                                <a:latin typeface="Cambria Math" panose="02040503050406030204" pitchFamily="18" charset="0"/>
                               </a:rPr>
                             </m:ctrlPr>
                           </m:dPr>
@@ -8133,7 +8089,7 @@
                                 <m:chr m:val="⃗"/>
                                 <m:ctrlPr>
                                   <a:rPr lang="fr-FR" sz="1000" b="0" i="1" smtClean="0">
-                                    <a:latin typeface="Cambria Math"/>
+                                    <a:latin typeface="Cambria Math" panose="02040503050406030204" pitchFamily="18" charset="0"/>
                                   </a:rPr>
                                 </m:ctrlPr>
                               </m:accPr>
@@ -8237,7 +8193,7 @@
                           <m:dPr>
                             <m:ctrlPr>
                               <a:rPr lang="fr-FR" sz="1000" i="1" smtClean="0">
-                                <a:latin typeface="Cambria Math"/>
+                                <a:latin typeface="Cambria Math" panose="02040503050406030204" pitchFamily="18" charset="0"/>
                               </a:rPr>
                             </m:ctrlPr>
                           </m:dPr>
@@ -8259,7 +8215,7 @@
                                 <m:chr m:val="⃗"/>
                                 <m:ctrlPr>
                                   <a:rPr lang="fr-FR" sz="1000" b="0" i="1" smtClean="0">
-                                    <a:latin typeface="Cambria Math"/>
+                                    <a:latin typeface="Cambria Math" panose="02040503050406030204" pitchFamily="18" charset="0"/>
                                   </a:rPr>
                                 </m:ctrlPr>
                               </m:accPr>
@@ -9292,7 +9248,7 @@
                           <m:dPr>
                             <m:ctrlPr>
                               <a:rPr lang="fr-FR" sz="1000" i="1" smtClean="0">
-                                <a:latin typeface="Cambria Math"/>
+                                <a:latin typeface="Cambria Math" panose="02040503050406030204" pitchFamily="18" charset="0"/>
                               </a:rPr>
                             </m:ctrlPr>
                           </m:dPr>
@@ -9314,7 +9270,7 @@
                                 <m:chr m:val="⃗"/>
                                 <m:ctrlPr>
                                   <a:rPr lang="fr-FR" sz="1000" b="0" i="1" smtClean="0">
-                                    <a:latin typeface="Cambria Math"/>
+                                    <a:latin typeface="Cambria Math" panose="02040503050406030204" pitchFamily="18" charset="0"/>
                                   </a:rPr>
                                 </m:ctrlPr>
                               </m:accPr>
@@ -9418,7 +9374,7 @@
                           <m:dPr>
                             <m:ctrlPr>
                               <a:rPr lang="fr-FR" sz="1000" i="1" smtClean="0">
-                                <a:latin typeface="Cambria Math"/>
+                                <a:latin typeface="Cambria Math" panose="02040503050406030204" pitchFamily="18" charset="0"/>
                               </a:rPr>
                             </m:ctrlPr>
                           </m:dPr>
@@ -9440,7 +9396,7 @@
                                 <m:chr m:val="⃗"/>
                                 <m:ctrlPr>
                                   <a:rPr lang="fr-FR" sz="1000" b="0" i="1" smtClean="0">
-                                    <a:latin typeface="Cambria Math"/>
+                                    <a:latin typeface="Cambria Math" panose="02040503050406030204" pitchFamily="18" charset="0"/>
                                   </a:rPr>
                                 </m:ctrlPr>
                               </m:accPr>
@@ -9544,7 +9500,7 @@
                           <m:dPr>
                             <m:ctrlPr>
                               <a:rPr lang="fr-FR" sz="1000" i="1" smtClean="0">
-                                <a:latin typeface="Cambria Math"/>
+                                <a:latin typeface="Cambria Math" panose="02040503050406030204" pitchFamily="18" charset="0"/>
                               </a:rPr>
                             </m:ctrlPr>
                           </m:dPr>
@@ -9566,7 +9522,7 @@
                                 <m:chr m:val="⃗"/>
                                 <m:ctrlPr>
                                   <a:rPr lang="fr-FR" sz="1000" b="0" i="1" smtClean="0">
-                                    <a:latin typeface="Cambria Math"/>
+                                    <a:latin typeface="Cambria Math" panose="02040503050406030204" pitchFamily="18" charset="0"/>
                                   </a:rPr>
                                 </m:ctrlPr>
                               </m:accPr>
@@ -9670,7 +9626,7 @@
                           <m:dPr>
                             <m:ctrlPr>
                               <a:rPr lang="fr-FR" sz="1000" i="1" smtClean="0">
-                                <a:latin typeface="Cambria Math"/>
+                                <a:latin typeface="Cambria Math" panose="02040503050406030204" pitchFamily="18" charset="0"/>
                               </a:rPr>
                             </m:ctrlPr>
                           </m:dPr>
@@ -9692,7 +9648,7 @@
                                 <m:chr m:val="⃗"/>
                                 <m:ctrlPr>
                                   <a:rPr lang="fr-FR" sz="1000" b="0" i="1" smtClean="0">
-                                    <a:latin typeface="Cambria Math"/>
+                                    <a:latin typeface="Cambria Math" panose="02040503050406030204" pitchFamily="18" charset="0"/>
                                   </a:rPr>
                                 </m:ctrlPr>
                               </m:accPr>
@@ -9796,7 +9752,7 @@
                           <m:dPr>
                             <m:ctrlPr>
                               <a:rPr lang="fr-FR" sz="1000" i="1" smtClean="0">
-                                <a:latin typeface="Cambria Math"/>
+                                <a:latin typeface="Cambria Math" panose="02040503050406030204" pitchFamily="18" charset="0"/>
                               </a:rPr>
                             </m:ctrlPr>
                           </m:dPr>
@@ -9818,7 +9774,7 @@
                                 <m:chr m:val="⃗"/>
                                 <m:ctrlPr>
                                   <a:rPr lang="fr-FR" sz="1000" b="0" i="1" smtClean="0">
-                                    <a:latin typeface="Cambria Math"/>
+                                    <a:latin typeface="Cambria Math" panose="02040503050406030204" pitchFamily="18" charset="0"/>
                                   </a:rPr>
                                 </m:ctrlPr>
                               </m:accPr>
@@ -11742,7 +11698,7 @@
                       <m:sSubPr>
                         <m:ctrlPr>
                           <a:rPr lang="fr-FR" sz="2000" b="0" i="1" smtClean="0">
-                            <a:latin typeface="Cambria Math"/>
+                            <a:latin typeface="Cambria Math" panose="02040503050406030204" pitchFamily="18" charset="0"/>
                             <a:ea typeface="Cambria Math"/>
                           </a:rPr>
                         </m:ctrlPr>
@@ -11777,7 +11733,7 @@
                       <m:fPr>
                         <m:ctrlPr>
                           <a:rPr lang="fr-FR" sz="2000" b="0" i="1" smtClean="0">
-                            <a:latin typeface="Cambria Math"/>
+                            <a:latin typeface="Cambria Math" panose="02040503050406030204" pitchFamily="18" charset="0"/>
                             <a:ea typeface="Cambria Math"/>
                           </a:rPr>
                         </m:ctrlPr>
@@ -11807,7 +11763,7 @@
                         <m:endChr m:val="}"/>
                         <m:ctrlPr>
                           <a:rPr lang="fr-FR" sz="2000" b="0" i="1" smtClean="0">
-                            <a:latin typeface="Cambria Math"/>
+                            <a:latin typeface="Cambria Math" panose="02040503050406030204" pitchFamily="18" charset="0"/>
                             <a:ea typeface="Cambria Math"/>
                           </a:rPr>
                         </m:ctrlPr>
@@ -11817,7 +11773,7 @@
                           <m:eqArrPr>
                             <m:ctrlPr>
                               <a:rPr lang="fr-FR" sz="2000" b="0" i="1" smtClean="0">
-                                <a:latin typeface="Cambria Math"/>
+                                <a:latin typeface="Cambria Math" panose="02040503050406030204" pitchFamily="18" charset="0"/>
                                 <a:ea typeface="Cambria Math"/>
                               </a:rPr>
                             </m:ctrlPr>
@@ -11835,7 +11791,7 @@
                                 <m:chr m:val="⃗"/>
                                 <m:ctrlPr>
                                   <a:rPr lang="fr-FR" sz="2000" b="0" i="1" smtClean="0">
-                                    <a:latin typeface="Cambria Math"/>
+                                    <a:latin typeface="Cambria Math" panose="02040503050406030204" pitchFamily="18" charset="0"/>
                                     <a:ea typeface="Cambria Math"/>
                                   </a:rPr>
                                 </m:ctrlPr>
@@ -11852,7 +11808,7 @@
                                   <m:dPr>
                                     <m:ctrlPr>
                                       <a:rPr lang="fr-FR" sz="2000" i="1">
-                                        <a:latin typeface="Cambria Math"/>
+                                        <a:latin typeface="Cambria Math" panose="02040503050406030204" pitchFamily="18" charset="0"/>
                                         <a:ea typeface="Cambria Math"/>
                                       </a:rPr>
                                     </m:ctrlPr>
@@ -11862,7 +11818,7 @@
                                       <m:sSubPr>
                                         <m:ctrlPr>
                                           <a:rPr lang="fr-FR" sz="2000" b="0" i="1" smtClean="0">
-                                            <a:latin typeface="Cambria Math"/>
+                                            <a:latin typeface="Cambria Math" panose="02040503050406030204" pitchFamily="18" charset="0"/>
                                             <a:ea typeface="Cambria Math"/>
                                           </a:rPr>
                                         </m:ctrlPr>
@@ -11898,7 +11854,7 @@
                                         <m:type m:val="lin"/>
                                         <m:ctrlPr>
                                           <a:rPr lang="fr-FR" sz="2000" b="0" i="1" smtClean="0">
-                                            <a:latin typeface="Cambria Math"/>
+                                            <a:latin typeface="Cambria Math" panose="02040503050406030204" pitchFamily="18" charset="0"/>
                                             <a:ea typeface="Cambria Math"/>
                                           </a:rPr>
                                         </m:ctrlPr>
@@ -11932,7 +11888,7 @@
                               <m:sSubPr>
                                 <m:ctrlPr>
                                   <a:rPr lang="fr-FR" sz="2000" b="0" i="1" smtClean="0">
-                                    <a:latin typeface="Cambria Math"/>
+                                    <a:latin typeface="Cambria Math" panose="02040503050406030204" pitchFamily="18" charset="0"/>
                                     <a:ea typeface="Cambria Math"/>
                                   </a:rPr>
                                 </m:ctrlPr>
@@ -11960,7 +11916,7 @@
                               <m:sSubPr>
                                 <m:ctrlPr>
                                   <a:rPr lang="fr-FR" sz="2000" b="0" i="1" smtClean="0">
-                                    <a:latin typeface="Cambria Math"/>
+                                    <a:latin typeface="Cambria Math" panose="02040503050406030204" pitchFamily="18" charset="0"/>
                                     <a:ea typeface="Cambria Math"/>
                                   </a:rPr>
                                 </m:ctrlPr>
@@ -11980,7 +11936,7 @@
                                     <m:type m:val="lin"/>
                                     <m:ctrlPr>
                                       <a:rPr lang="fr-FR" sz="2000" b="0" i="1" smtClean="0">
-                                        <a:latin typeface="Cambria Math"/>
+                                        <a:latin typeface="Cambria Math" panose="02040503050406030204" pitchFamily="18" charset="0"/>
                                         <a:ea typeface="Cambria Math"/>
                                       </a:rPr>
                                     </m:ctrlPr>
@@ -12011,7 +11967,7 @@
                                 <m:chr m:val="⃗"/>
                                 <m:ctrlPr>
                                   <a:rPr lang="fr-FR" sz="2000" b="0" i="1" smtClean="0">
-                                    <a:latin typeface="Cambria Math"/>
+                                    <a:latin typeface="Cambria Math" panose="02040503050406030204" pitchFamily="18" charset="0"/>
                                     <a:ea typeface="Cambria Math"/>
                                   </a:rPr>
                                 </m:ctrlPr>
@@ -12043,7 +11999,7 @@
                         <m:endChr m:val="}"/>
                         <m:ctrlPr>
                           <a:rPr lang="fr-FR" sz="2000" i="1">
-                            <a:latin typeface="Cambria Math"/>
+                            <a:latin typeface="Cambria Math" panose="02040503050406030204" pitchFamily="18" charset="0"/>
                             <a:ea typeface="Cambria Math"/>
                           </a:rPr>
                         </m:ctrlPr>
@@ -12053,7 +12009,7 @@
                           <m:eqArrPr>
                             <m:ctrlPr>
                               <a:rPr lang="fr-FR" sz="2000" i="1">
-                                <a:latin typeface="Cambria Math"/>
+                                <a:latin typeface="Cambria Math" panose="02040503050406030204" pitchFamily="18" charset="0"/>
                                 <a:ea typeface="Cambria Math"/>
                               </a:rPr>
                             </m:ctrlPr>
@@ -12064,7 +12020,7 @@
                                 <m:chr m:val="⃗"/>
                                 <m:ctrlPr>
                                   <a:rPr lang="fr-FR" sz="2000" i="1">
-                                    <a:latin typeface="Cambria Math"/>
+                                    <a:latin typeface="Cambria Math" panose="02040503050406030204" pitchFamily="18" charset="0"/>
                                     <a:ea typeface="Cambria Math"/>
                                   </a:rPr>
                                 </m:ctrlPr>
@@ -12084,7 +12040,7 @@
                                   <m:dPr>
                                     <m:ctrlPr>
                                       <a:rPr lang="fr-FR" sz="2000" i="1">
-                                        <a:latin typeface="Cambria Math"/>
+                                        <a:latin typeface="Cambria Math" panose="02040503050406030204" pitchFamily="18" charset="0"/>
                                         <a:ea typeface="Cambria Math"/>
                                       </a:rPr>
                                     </m:ctrlPr>
@@ -12095,7 +12051,7 @@
                                         <m:type m:val="lin"/>
                                         <m:ctrlPr>
                                           <a:rPr lang="fr-FR" sz="2000" i="1">
-                                            <a:latin typeface="Cambria Math"/>
+                                            <a:latin typeface="Cambria Math" panose="02040503050406030204" pitchFamily="18" charset="0"/>
                                             <a:ea typeface="Cambria Math"/>
                                           </a:rPr>
                                         </m:ctrlPr>
@@ -12134,7 +12090,7 @@
                               <m:sSubPr>
                                 <m:ctrlPr>
                                   <a:rPr lang="fr-FR" sz="2000" i="1">
-                                    <a:latin typeface="Cambria Math"/>
+                                    <a:latin typeface="Cambria Math" panose="02040503050406030204" pitchFamily="18" charset="0"/>
                                     <a:ea typeface="Cambria Math"/>
                                   </a:rPr>
                                 </m:ctrlPr>
@@ -12154,7 +12110,7 @@
                                     <m:type m:val="lin"/>
                                     <m:ctrlPr>
                                       <a:rPr lang="fr-FR" sz="2000" i="1">
-                                        <a:latin typeface="Cambria Math"/>
+                                        <a:latin typeface="Cambria Math" panose="02040503050406030204" pitchFamily="18" charset="0"/>
                                         <a:ea typeface="Cambria Math"/>
                                       </a:rPr>
                                     </m:ctrlPr>
@@ -12185,7 +12141,7 @@
                                 <m:chr m:val="⃗"/>
                                 <m:ctrlPr>
                                   <a:rPr lang="fr-FR" sz="2000" i="1">
-                                    <a:latin typeface="Cambria Math"/>
+                                    <a:latin typeface="Cambria Math" panose="02040503050406030204" pitchFamily="18" charset="0"/>
                                     <a:ea typeface="Cambria Math"/>
                                   </a:rPr>
                                 </m:ctrlPr>
@@ -12207,7 +12163,7 @@
                                 <m:chr m:val="⃗"/>
                                 <m:ctrlPr>
                                   <a:rPr lang="fr-FR" sz="2000" i="1">
-                                    <a:latin typeface="Cambria Math"/>
+                                    <a:latin typeface="Cambria Math" panose="02040503050406030204" pitchFamily="18" charset="0"/>
                                     <a:ea typeface="Cambria Math"/>
                                   </a:rPr>
                                 </m:ctrlPr>
@@ -12224,7 +12180,7 @@
                                   <m:dPr>
                                     <m:ctrlPr>
                                       <a:rPr lang="fr-FR" sz="2000" i="1">
-                                        <a:latin typeface="Cambria Math"/>
+                                        <a:latin typeface="Cambria Math" panose="02040503050406030204" pitchFamily="18" charset="0"/>
                                         <a:ea typeface="Cambria Math"/>
                                       </a:rPr>
                                     </m:ctrlPr>
@@ -12234,7 +12190,7 @@
                                       <m:sSubPr>
                                         <m:ctrlPr>
                                           <a:rPr lang="fr-FR" sz="2000" i="1">
-                                            <a:latin typeface="Cambria Math"/>
+                                            <a:latin typeface="Cambria Math" panose="02040503050406030204" pitchFamily="18" charset="0"/>
                                             <a:ea typeface="Cambria Math"/>
                                           </a:rPr>
                                         </m:ctrlPr>
@@ -12270,7 +12226,7 @@
                                         <m:type m:val="lin"/>
                                         <m:ctrlPr>
                                           <a:rPr lang="fr-FR" sz="2000" i="1">
-                                            <a:latin typeface="Cambria Math"/>
+                                            <a:latin typeface="Cambria Math" panose="02040503050406030204" pitchFamily="18" charset="0"/>
                                             <a:ea typeface="Cambria Math"/>
                                           </a:rPr>
                                         </m:ctrlPr>
@@ -12304,7 +12260,7 @@
                     </m:d>
                   </m:oMath>
                 </a14:m>
-                <a:endParaRPr lang="fr-FR" sz="2000" dirty="0" smtClean="0">
+                <a:endParaRPr lang="fr-FR" sz="2000" dirty="0">
                   <a:ea typeface="Cambria Math"/>
                 </a:endParaRPr>
               </a:p>
@@ -12316,7 +12272,7 @@
                         <m:chr m:val="⃗"/>
                         <m:ctrlPr>
                           <a:rPr lang="fr-FR" sz="2000" i="1">
-                            <a:latin typeface="Cambria Math"/>
+                            <a:latin typeface="Cambria Math" panose="02040503050406030204" pitchFamily="18" charset="0"/>
                             <a:ea typeface="Cambria Math"/>
                           </a:rPr>
                         </m:ctrlPr>
@@ -12333,7 +12289,7 @@
                           <m:dPr>
                             <m:ctrlPr>
                               <a:rPr lang="fr-FR" sz="2000" i="1">
-                                <a:latin typeface="Cambria Math"/>
+                                <a:latin typeface="Cambria Math" panose="02040503050406030204" pitchFamily="18" charset="0"/>
                                 <a:ea typeface="Cambria Math"/>
                               </a:rPr>
                             </m:ctrlPr>
@@ -12343,7 +12299,7 @@
                               <m:sSubPr>
                                 <m:ctrlPr>
                                   <a:rPr lang="fr-FR" sz="2000" i="1">
-                                    <a:latin typeface="Cambria Math"/>
+                                    <a:latin typeface="Cambria Math" panose="02040503050406030204" pitchFamily="18" charset="0"/>
                                     <a:ea typeface="Cambria Math"/>
                                   </a:rPr>
                                 </m:ctrlPr>
@@ -12379,7 +12335,7 @@
                                 <m:type m:val="lin"/>
                                 <m:ctrlPr>
                                   <a:rPr lang="fr-FR" sz="2000" i="1">
-                                    <a:latin typeface="Cambria Math"/>
+                                    <a:latin typeface="Cambria Math" panose="02040503050406030204" pitchFamily="18" charset="0"/>
                                     <a:ea typeface="Cambria Math"/>
                                   </a:rPr>
                                 </m:ctrlPr>
@@ -12419,7 +12375,7 @@
                         <m:chr m:val="⃗"/>
                         <m:ctrlPr>
                           <a:rPr lang="fr-FR" sz="2000" i="1">
-                            <a:latin typeface="Cambria Math"/>
+                            <a:latin typeface="Cambria Math" panose="02040503050406030204" pitchFamily="18" charset="0"/>
                             <a:ea typeface="Cambria Math"/>
                           </a:rPr>
                         </m:ctrlPr>
@@ -12436,7 +12392,7 @@
                           <m:dPr>
                             <m:ctrlPr>
                               <a:rPr lang="fr-FR" sz="2000" i="1">
-                                <a:latin typeface="Cambria Math"/>
+                                <a:latin typeface="Cambria Math" panose="02040503050406030204" pitchFamily="18" charset="0"/>
                                 <a:ea typeface="Cambria Math"/>
                               </a:rPr>
                             </m:ctrlPr>
@@ -12446,7 +12402,7 @@
                               <m:sSubPr>
                                 <m:ctrlPr>
                                   <a:rPr lang="fr-FR" sz="2000" i="1">
-                                    <a:latin typeface="Cambria Math"/>
+                                    <a:latin typeface="Cambria Math" panose="02040503050406030204" pitchFamily="18" charset="0"/>
                                     <a:ea typeface="Cambria Math"/>
                                   </a:rPr>
                                 </m:ctrlPr>
@@ -12482,7 +12438,7 @@
                                 <m:type m:val="lin"/>
                                 <m:ctrlPr>
                                   <a:rPr lang="fr-FR" sz="2000" i="1">
-                                    <a:latin typeface="Cambria Math"/>
+                                    <a:latin typeface="Cambria Math" panose="02040503050406030204" pitchFamily="18" charset="0"/>
                                     <a:ea typeface="Cambria Math"/>
                                   </a:rPr>
                                 </m:ctrlPr>
@@ -12522,7 +12478,7 @@
                         <m:chr m:val="⃗"/>
                         <m:ctrlPr>
                           <a:rPr lang="fr-FR" sz="2000" i="1">
-                            <a:latin typeface="Cambria Math"/>
+                            <a:latin typeface="Cambria Math" panose="02040503050406030204" pitchFamily="18" charset="0"/>
                             <a:ea typeface="Cambria Math"/>
                           </a:rPr>
                         </m:ctrlPr>
@@ -12539,7 +12495,7 @@
                           <m:dPr>
                             <m:ctrlPr>
                               <a:rPr lang="fr-FR" sz="2000" i="1">
-                                <a:latin typeface="Cambria Math"/>
+                                <a:latin typeface="Cambria Math" panose="02040503050406030204" pitchFamily="18" charset="0"/>
                                 <a:ea typeface="Cambria Math"/>
                               </a:rPr>
                             </m:ctrlPr>
@@ -12549,7 +12505,7 @@
                               <m:sSubPr>
                                 <m:ctrlPr>
                                   <a:rPr lang="fr-FR" sz="2000" i="1">
-                                    <a:latin typeface="Cambria Math"/>
+                                    <a:latin typeface="Cambria Math" panose="02040503050406030204" pitchFamily="18" charset="0"/>
                                     <a:ea typeface="Cambria Math"/>
                                   </a:rPr>
                                 </m:ctrlPr>
@@ -12585,7 +12541,7 @@
                                 <m:type m:val="lin"/>
                                 <m:ctrlPr>
                                   <a:rPr lang="fr-FR" sz="2000" i="1" smtClean="0">
-                                    <a:latin typeface="Cambria Math"/>
+                                    <a:latin typeface="Cambria Math" panose="02040503050406030204" pitchFamily="18" charset="0"/>
                                     <a:ea typeface="Cambria Math"/>
                                   </a:rPr>
                                 </m:ctrlPr>
@@ -12625,7 +12581,7 @@
                         <m:chr m:val="⃗"/>
                         <m:ctrlPr>
                           <a:rPr lang="fr-FR" sz="2000" i="1">
-                            <a:latin typeface="Cambria Math"/>
+                            <a:latin typeface="Cambria Math" panose="02040503050406030204" pitchFamily="18" charset="0"/>
                             <a:ea typeface="Cambria Math"/>
                           </a:rPr>
                         </m:ctrlPr>
@@ -12651,7 +12607,7 @@
                       <m:sSubPr>
                         <m:ctrlPr>
                           <a:rPr lang="fr-FR" sz="2000" b="0" i="1" smtClean="0">
-                            <a:latin typeface="Cambria Math"/>
+                            <a:latin typeface="Cambria Math" panose="02040503050406030204" pitchFamily="18" charset="0"/>
                             <a:ea typeface="Cambria Math"/>
                           </a:rPr>
                         </m:ctrlPr>
@@ -12679,7 +12635,7 @@
                       <m:sSubPr>
                         <m:ctrlPr>
                           <a:rPr lang="fr-FR" sz="2000" i="1">
-                            <a:latin typeface="Cambria Math"/>
+                            <a:latin typeface="Cambria Math" panose="02040503050406030204" pitchFamily="18" charset="0"/>
                             <a:ea typeface="Cambria Math"/>
                           </a:rPr>
                         </m:ctrlPr>
@@ -12699,7 +12655,7 @@
                             <m:type m:val="lin"/>
                             <m:ctrlPr>
                               <a:rPr lang="fr-FR" sz="2000" i="1">
-                                <a:latin typeface="Cambria Math"/>
+                                <a:latin typeface="Cambria Math" panose="02040503050406030204" pitchFamily="18" charset="0"/>
                                 <a:ea typeface="Cambria Math"/>
                               </a:rPr>
                             </m:ctrlPr>
@@ -12730,7 +12686,7 @@
                         <m:chr m:val="⃗"/>
                         <m:ctrlPr>
                           <a:rPr lang="fr-FR" sz="2000" b="0" i="1" smtClean="0">
-                            <a:latin typeface="Cambria Math"/>
+                            <a:latin typeface="Cambria Math" panose="02040503050406030204" pitchFamily="18" charset="0"/>
                             <a:ea typeface="Cambria Math"/>
                           </a:rPr>
                         </m:ctrlPr>
@@ -12747,7 +12703,7 @@
                     </m:acc>
                   </m:oMath>
                 </a14:m>
-                <a:endParaRPr lang="fr-FR" sz="2000" dirty="0" smtClean="0">
+                <a:endParaRPr lang="fr-FR" sz="2000" dirty="0">
                   <a:ea typeface="Cambria Math"/>
                 </a:endParaRPr>
               </a:p>
@@ -12758,7 +12714,7 @@
                       <m:sSubPr>
                         <m:ctrlPr>
                           <a:rPr lang="fr-FR" sz="2000" i="1">
-                            <a:latin typeface="Cambria Math"/>
+                            <a:latin typeface="Cambria Math" panose="02040503050406030204" pitchFamily="18" charset="0"/>
                             <a:ea typeface="Cambria Math"/>
                           </a:rPr>
                         </m:ctrlPr>
@@ -12778,7 +12734,7 @@
                             <m:type m:val="lin"/>
                             <m:ctrlPr>
                               <a:rPr lang="fr-FR" sz="2000" i="1">
-                                <a:latin typeface="Cambria Math"/>
+                                <a:latin typeface="Cambria Math" panose="02040503050406030204" pitchFamily="18" charset="0"/>
                                 <a:ea typeface="Cambria Math"/>
                               </a:rPr>
                             </m:ctrlPr>
@@ -12815,7 +12771,7 @@
                       <m:sSubPr>
                         <m:ctrlPr>
                           <a:rPr lang="fr-FR" sz="2000" i="1">
-                            <a:latin typeface="Cambria Math"/>
+                            <a:latin typeface="Cambria Math" panose="02040503050406030204" pitchFamily="18" charset="0"/>
                             <a:ea typeface="Cambria Math"/>
                           </a:rPr>
                         </m:ctrlPr>
@@ -12835,7 +12791,7 @@
                             <m:type m:val="lin"/>
                             <m:ctrlPr>
                               <a:rPr lang="fr-FR" sz="2000" i="1">
-                                <a:latin typeface="Cambria Math"/>
+                                <a:latin typeface="Cambria Math" panose="02040503050406030204" pitchFamily="18" charset="0"/>
                                 <a:ea typeface="Cambria Math"/>
                               </a:rPr>
                             </m:ctrlPr>
@@ -12872,7 +12828,7 @@
                       <m:sSubPr>
                         <m:ctrlPr>
                           <a:rPr lang="fr-FR" sz="2000" i="1">
-                            <a:latin typeface="Cambria Math"/>
+                            <a:latin typeface="Cambria Math" panose="02040503050406030204" pitchFamily="18" charset="0"/>
                             <a:ea typeface="Cambria Math"/>
                           </a:rPr>
                         </m:ctrlPr>
@@ -12892,7 +12848,7 @@
                             <m:type m:val="lin"/>
                             <m:ctrlPr>
                               <a:rPr lang="fr-FR" sz="2000" i="1">
-                                <a:latin typeface="Cambria Math"/>
+                                <a:latin typeface="Cambria Math" panose="02040503050406030204" pitchFamily="18" charset="0"/>
                                 <a:ea typeface="Cambria Math"/>
                               </a:rPr>
                             </m:ctrlPr>
@@ -12920,7 +12876,7 @@
                     </m:sSub>
                   </m:oMath>
                 </a14:m>
-                <a:endParaRPr lang="fr-FR" sz="2000" dirty="0" smtClean="0">
+                <a:endParaRPr lang="fr-FR" sz="2000" dirty="0">
                   <a:ea typeface="Cambria Math"/>
                 </a:endParaRPr>
               </a:p>
@@ -12931,7 +12887,7 @@
                       <m:sSubPr>
                         <m:ctrlPr>
                           <a:rPr lang="fr-FR" sz="2000" i="1">
-                            <a:latin typeface="Cambria Math"/>
+                            <a:latin typeface="Cambria Math" panose="02040503050406030204" pitchFamily="18" charset="0"/>
                             <a:ea typeface="Cambria Math"/>
                           </a:rPr>
                         </m:ctrlPr>
@@ -12951,7 +12907,7 @@
                             <m:type m:val="lin"/>
                             <m:ctrlPr>
                               <a:rPr lang="fr-FR" sz="2000" i="1">
-                                <a:latin typeface="Cambria Math"/>
+                                <a:latin typeface="Cambria Math" panose="02040503050406030204" pitchFamily="18" charset="0"/>
                                 <a:ea typeface="Cambria Math"/>
                               </a:rPr>
                             </m:ctrlPr>
@@ -12980,7 +12936,7 @@
                   </m:oMath>
                 </a14:m>
                 <a:r>
-                  <a:rPr lang="fr-FR" sz="2000" dirty="0" smtClean="0"/>
+                  <a:rPr lang="fr-FR" sz="2000" dirty="0"/>
                   <a:t> connue</a:t>
                 </a:r>
               </a:p>
@@ -12992,7 +12948,7 @@
                       <m:sSubPr>
                         <m:ctrlPr>
                           <a:rPr lang="fr-FR" sz="1600" i="1">
-                            <a:latin typeface="Cambria Math"/>
+                            <a:latin typeface="Cambria Math" panose="02040503050406030204" pitchFamily="18" charset="0"/>
                             <a:ea typeface="Cambria Math"/>
                           </a:rPr>
                         </m:ctrlPr>
@@ -13012,7 +12968,7 @@
                             <m:type m:val="lin"/>
                             <m:ctrlPr>
                               <a:rPr lang="fr-FR" sz="1600" i="1">
-                                <a:latin typeface="Cambria Math"/>
+                                <a:latin typeface="Cambria Math" panose="02040503050406030204" pitchFamily="18" charset="0"/>
                                 <a:ea typeface="Cambria Math"/>
                               </a:rPr>
                             </m:ctrlPr>
@@ -13049,7 +13005,7 @@
                       <m:sSubPr>
                         <m:ctrlPr>
                           <a:rPr lang="fr-FR" sz="1600" b="0" i="1" smtClean="0">
-                            <a:latin typeface="Cambria Math"/>
+                            <a:latin typeface="Cambria Math" panose="02040503050406030204" pitchFamily="18" charset="0"/>
                             <a:ea typeface="Cambria Math"/>
                           </a:rPr>
                         </m:ctrlPr>
@@ -13077,7 +13033,7 @@
                       <m:sSubPr>
                         <m:ctrlPr>
                           <a:rPr lang="fr-FR" sz="1600" i="1">
-                            <a:latin typeface="Cambria Math"/>
+                            <a:latin typeface="Cambria Math" panose="02040503050406030204" pitchFamily="18" charset="0"/>
                             <a:ea typeface="Cambria Math"/>
                           </a:rPr>
                         </m:ctrlPr>
@@ -13097,178 +13053,7 @@
                             <m:type m:val="lin"/>
                             <m:ctrlPr>
                               <a:rPr lang="fr-FR" sz="1600" i="1">
-                                <a:latin typeface="Cambria Math"/>
-                                <a:ea typeface="Cambria Math"/>
-                              </a:rPr>
-                            </m:ctrlPr>
-                          </m:fPr>
-                          <m:num>
-                            <m:r>
-                              <a:rPr lang="fr-FR" sz="1600" i="1">
-                                <a:latin typeface="Cambria Math"/>
-                                <a:ea typeface="Cambria Math"/>
-                              </a:rPr>
-                              <m:t>𝑅</m:t>
-                            </m:r>
-                          </m:num>
-                          <m:den>
-                            <m:r>
-                              <a:rPr lang="fr-FR" sz="1600" i="1">
-                                <a:latin typeface="Cambria Math"/>
-                                <a:ea typeface="Cambria Math"/>
-                              </a:rPr>
-                              <m:t>𝑇</m:t>
-                            </m:r>
-                          </m:den>
-                        </m:f>
-                      </m:sub>
-                    </m:sSub>
-                  </m:oMath>
-                </a14:m>
-                <a:endParaRPr lang="fr-FR" sz="1600" dirty="0" smtClean="0"/>
-              </a:p>
-              <a:p>
-                <a:pPr lvl="1"/>
-                <a14:m>
-                  <m:oMath xmlns:m="http://schemas.openxmlformats.org/officeDocument/2006/math">
-                    <m:sSub>
-                      <m:sSubPr>
-                        <m:ctrlPr>
-                          <a:rPr lang="fr-FR" sz="1600" i="1">
-                            <a:latin typeface="Cambria Math"/>
-                            <a:ea typeface="Cambria Math"/>
-                          </a:rPr>
-                        </m:ctrlPr>
-                      </m:sSubPr>
-                      <m:e>
-                        <m:r>
-                          <a:rPr lang="fr-FR" sz="1600" i="1">
-                            <a:latin typeface="Cambria Math"/>
-                            <a:ea typeface="Cambria Math"/>
-                          </a:rPr>
-                          <m:t>𝜔</m:t>
-                        </m:r>
-                      </m:e>
-                      <m:sub>
-                        <m:f>
-                          <m:fPr>
-                            <m:type m:val="lin"/>
-                            <m:ctrlPr>
-                              <a:rPr lang="fr-FR" sz="1600" i="1">
-                                <a:latin typeface="Cambria Math"/>
-                                <a:ea typeface="Cambria Math"/>
-                              </a:rPr>
-                            </m:ctrlPr>
-                          </m:fPr>
-                          <m:num>
-                            <m:r>
-                              <a:rPr lang="fr-FR" sz="1600" b="0" i="1" smtClean="0">
-                                <a:latin typeface="Cambria Math"/>
-                                <a:ea typeface="Cambria Math"/>
-                              </a:rPr>
-                              <m:t>2</m:t>
-                            </m:r>
-                          </m:num>
-                          <m:den>
-                            <m:r>
-                              <a:rPr lang="fr-FR" sz="1600" i="1">
-                                <a:latin typeface="Cambria Math"/>
-                                <a:ea typeface="Cambria Math"/>
-                              </a:rPr>
-                              <m:t>𝑇</m:t>
-                            </m:r>
-                          </m:den>
-                        </m:f>
-                      </m:sub>
-                    </m:sSub>
-                    <m:r>
-                      <a:rPr lang="fr-FR" sz="1600" i="1">
-                        <a:latin typeface="Cambria Math"/>
-                        <a:ea typeface="Cambria Math"/>
-                      </a:rPr>
-                      <m:t>=</m:t>
-                    </m:r>
-                    <m:sSub>
-                      <m:sSubPr>
-                        <m:ctrlPr>
-                          <a:rPr lang="fr-FR" sz="1600" i="1">
-                            <a:latin typeface="Cambria Math"/>
-                            <a:ea typeface="Cambria Math"/>
-                          </a:rPr>
-                        </m:ctrlPr>
-                      </m:sSubPr>
-                      <m:e>
-                        <m:r>
-                          <a:rPr lang="fr-FR" sz="1600" i="1">
-                            <a:latin typeface="Cambria Math"/>
-                            <a:ea typeface="Cambria Math"/>
-                          </a:rPr>
-                          <m:t>𝑘</m:t>
-                        </m:r>
-                      </m:e>
-                      <m:sub>
-                        <m:r>
-                          <a:rPr lang="fr-FR" sz="1600" i="1">
-                            <a:latin typeface="Cambria Math"/>
-                            <a:ea typeface="Cambria Math"/>
-                          </a:rPr>
-                          <m:t>1</m:t>
-                        </m:r>
-                      </m:sub>
-                    </m:sSub>
-                    <m:sSub>
-                      <m:sSubPr>
-                        <m:ctrlPr>
-                          <a:rPr lang="fr-FR" sz="1600" b="0" i="1" smtClean="0">
-                            <a:latin typeface="Cambria Math"/>
-                            <a:ea typeface="Cambria Math"/>
-                          </a:rPr>
-                        </m:ctrlPr>
-                      </m:sSubPr>
-                      <m:e>
-                        <m:r>
-                          <a:rPr lang="fr-FR" sz="1600" b="0" i="1" smtClean="0">
-                            <a:latin typeface="Cambria Math"/>
-                            <a:ea typeface="Cambria Math"/>
-                          </a:rPr>
-                          <m:t>𝑘</m:t>
-                        </m:r>
-                      </m:e>
-                      <m:sub>
-                        <m:r>
-                          <a:rPr lang="fr-FR" sz="1600" b="0" i="1" smtClean="0">
-                            <a:latin typeface="Cambria Math"/>
-                            <a:ea typeface="Cambria Math"/>
-                          </a:rPr>
-                          <m:t>2</m:t>
-                        </m:r>
-                      </m:sub>
-                    </m:sSub>
-                    <m:sSub>
-                      <m:sSubPr>
-                        <m:ctrlPr>
-                          <a:rPr lang="fr-FR" sz="1600" i="1">
-                            <a:latin typeface="Cambria Math"/>
-                            <a:ea typeface="Cambria Math"/>
-                          </a:rPr>
-                        </m:ctrlPr>
-                      </m:sSubPr>
-                      <m:e>
-                        <m:r>
-                          <a:rPr lang="fr-FR" sz="1600" i="1">
-                            <a:latin typeface="Cambria Math"/>
-                            <a:ea typeface="Cambria Math"/>
-                          </a:rPr>
-                          <m:t>𝜔</m:t>
-                        </m:r>
-                      </m:e>
-                      <m:sub>
-                        <m:f>
-                          <m:fPr>
-                            <m:type m:val="lin"/>
-                            <m:ctrlPr>
-                              <a:rPr lang="fr-FR" sz="1600" i="1">
-                                <a:latin typeface="Cambria Math"/>
+                                <a:latin typeface="Cambria Math" panose="02040503050406030204" pitchFamily="18" charset="0"/>
                                 <a:ea typeface="Cambria Math"/>
                               </a:rPr>
                             </m:ctrlPr>
@@ -13306,7 +13091,7 @@
                       <m:sSubPr>
                         <m:ctrlPr>
                           <a:rPr lang="fr-FR" sz="1600" i="1">
-                            <a:latin typeface="Cambria Math"/>
+                            <a:latin typeface="Cambria Math" panose="02040503050406030204" pitchFamily="18" charset="0"/>
                             <a:ea typeface="Cambria Math"/>
                           </a:rPr>
                         </m:ctrlPr>
@@ -13326,7 +13111,178 @@
                             <m:type m:val="lin"/>
                             <m:ctrlPr>
                               <a:rPr lang="fr-FR" sz="1600" i="1">
+                                <a:latin typeface="Cambria Math" panose="02040503050406030204" pitchFamily="18" charset="0"/>
+                                <a:ea typeface="Cambria Math"/>
+                              </a:rPr>
+                            </m:ctrlPr>
+                          </m:fPr>
+                          <m:num>
+                            <m:r>
+                              <a:rPr lang="fr-FR" sz="1600" b="0" i="1" smtClean="0">
                                 <a:latin typeface="Cambria Math"/>
+                                <a:ea typeface="Cambria Math"/>
+                              </a:rPr>
+                              <m:t>2</m:t>
+                            </m:r>
+                          </m:num>
+                          <m:den>
+                            <m:r>
+                              <a:rPr lang="fr-FR" sz="1600" i="1">
+                                <a:latin typeface="Cambria Math"/>
+                                <a:ea typeface="Cambria Math"/>
+                              </a:rPr>
+                              <m:t>𝑇</m:t>
+                            </m:r>
+                          </m:den>
+                        </m:f>
+                      </m:sub>
+                    </m:sSub>
+                    <m:r>
+                      <a:rPr lang="fr-FR" sz="1600" i="1">
+                        <a:latin typeface="Cambria Math"/>
+                        <a:ea typeface="Cambria Math"/>
+                      </a:rPr>
+                      <m:t>=</m:t>
+                    </m:r>
+                    <m:sSub>
+                      <m:sSubPr>
+                        <m:ctrlPr>
+                          <a:rPr lang="fr-FR" sz="1600" i="1">
+                            <a:latin typeface="Cambria Math" panose="02040503050406030204" pitchFamily="18" charset="0"/>
+                            <a:ea typeface="Cambria Math"/>
+                          </a:rPr>
+                        </m:ctrlPr>
+                      </m:sSubPr>
+                      <m:e>
+                        <m:r>
+                          <a:rPr lang="fr-FR" sz="1600" i="1">
+                            <a:latin typeface="Cambria Math"/>
+                            <a:ea typeface="Cambria Math"/>
+                          </a:rPr>
+                          <m:t>𝑘</m:t>
+                        </m:r>
+                      </m:e>
+                      <m:sub>
+                        <m:r>
+                          <a:rPr lang="fr-FR" sz="1600" i="1">
+                            <a:latin typeface="Cambria Math"/>
+                            <a:ea typeface="Cambria Math"/>
+                          </a:rPr>
+                          <m:t>1</m:t>
+                        </m:r>
+                      </m:sub>
+                    </m:sSub>
+                    <m:sSub>
+                      <m:sSubPr>
+                        <m:ctrlPr>
+                          <a:rPr lang="fr-FR" sz="1600" b="0" i="1" smtClean="0">
+                            <a:latin typeface="Cambria Math" panose="02040503050406030204" pitchFamily="18" charset="0"/>
+                            <a:ea typeface="Cambria Math"/>
+                          </a:rPr>
+                        </m:ctrlPr>
+                      </m:sSubPr>
+                      <m:e>
+                        <m:r>
+                          <a:rPr lang="fr-FR" sz="1600" b="0" i="1" smtClean="0">
+                            <a:latin typeface="Cambria Math"/>
+                            <a:ea typeface="Cambria Math"/>
+                          </a:rPr>
+                          <m:t>𝑘</m:t>
+                        </m:r>
+                      </m:e>
+                      <m:sub>
+                        <m:r>
+                          <a:rPr lang="fr-FR" sz="1600" b="0" i="1" smtClean="0">
+                            <a:latin typeface="Cambria Math"/>
+                            <a:ea typeface="Cambria Math"/>
+                          </a:rPr>
+                          <m:t>2</m:t>
+                        </m:r>
+                      </m:sub>
+                    </m:sSub>
+                    <m:sSub>
+                      <m:sSubPr>
+                        <m:ctrlPr>
+                          <a:rPr lang="fr-FR" sz="1600" i="1">
+                            <a:latin typeface="Cambria Math" panose="02040503050406030204" pitchFamily="18" charset="0"/>
+                            <a:ea typeface="Cambria Math"/>
+                          </a:rPr>
+                        </m:ctrlPr>
+                      </m:sSubPr>
+                      <m:e>
+                        <m:r>
+                          <a:rPr lang="fr-FR" sz="1600" i="1">
+                            <a:latin typeface="Cambria Math"/>
+                            <a:ea typeface="Cambria Math"/>
+                          </a:rPr>
+                          <m:t>𝜔</m:t>
+                        </m:r>
+                      </m:e>
+                      <m:sub>
+                        <m:f>
+                          <m:fPr>
+                            <m:type m:val="lin"/>
+                            <m:ctrlPr>
+                              <a:rPr lang="fr-FR" sz="1600" i="1">
+                                <a:latin typeface="Cambria Math" panose="02040503050406030204" pitchFamily="18" charset="0"/>
+                                <a:ea typeface="Cambria Math"/>
+                              </a:rPr>
+                            </m:ctrlPr>
+                          </m:fPr>
+                          <m:num>
+                            <m:r>
+                              <a:rPr lang="fr-FR" sz="1600" i="1">
+                                <a:latin typeface="Cambria Math"/>
+                                <a:ea typeface="Cambria Math"/>
+                              </a:rPr>
+                              <m:t>𝑅</m:t>
+                            </m:r>
+                          </m:num>
+                          <m:den>
+                            <m:r>
+                              <a:rPr lang="fr-FR" sz="1600" i="1">
+                                <a:latin typeface="Cambria Math"/>
+                                <a:ea typeface="Cambria Math"/>
+                              </a:rPr>
+                              <m:t>𝑇</m:t>
+                            </m:r>
+                          </m:den>
+                        </m:f>
+                      </m:sub>
+                    </m:sSub>
+                  </m:oMath>
+                </a14:m>
+                <a:endParaRPr lang="fr-FR" sz="1600" dirty="0"/>
+              </a:p>
+              <a:p>
+                <a:pPr lvl="1"/>
+                <a14:m>
+                  <m:oMath xmlns:m="http://schemas.openxmlformats.org/officeDocument/2006/math">
+                    <m:sSub>
+                      <m:sSubPr>
+                        <m:ctrlPr>
+                          <a:rPr lang="fr-FR" sz="1600" i="1">
+                            <a:latin typeface="Cambria Math" panose="02040503050406030204" pitchFamily="18" charset="0"/>
+                            <a:ea typeface="Cambria Math"/>
+                          </a:rPr>
+                        </m:ctrlPr>
+                      </m:sSubPr>
+                      <m:e>
+                        <m:r>
+                          <a:rPr lang="fr-FR" sz="1600" i="1">
+                            <a:latin typeface="Cambria Math"/>
+                            <a:ea typeface="Cambria Math"/>
+                          </a:rPr>
+                          <m:t>𝜔</m:t>
+                        </m:r>
+                      </m:e>
+                      <m:sub>
+                        <m:f>
+                          <m:fPr>
+                            <m:type m:val="lin"/>
+                            <m:ctrlPr>
+                              <a:rPr lang="fr-FR" sz="1600" i="1">
+                                <a:latin typeface="Cambria Math" panose="02040503050406030204" pitchFamily="18" charset="0"/>
                                 <a:ea typeface="Cambria Math"/>
                               </a:rPr>
                             </m:ctrlPr>
@@ -13363,7 +13319,7 @@
                       <m:sSubPr>
                         <m:ctrlPr>
                           <a:rPr lang="fr-FR" sz="1600" i="1">
-                            <a:latin typeface="Cambria Math"/>
+                            <a:latin typeface="Cambria Math" panose="02040503050406030204" pitchFamily="18" charset="0"/>
                             <a:ea typeface="Cambria Math"/>
                           </a:rPr>
                         </m:ctrlPr>
@@ -13391,7 +13347,7 @@
                       <m:sSubPr>
                         <m:ctrlPr>
                           <a:rPr lang="fr-FR" sz="1600" i="1">
-                            <a:latin typeface="Cambria Math"/>
+                            <a:latin typeface="Cambria Math" panose="02040503050406030204" pitchFamily="18" charset="0"/>
                             <a:ea typeface="Cambria Math"/>
                           </a:rPr>
                         </m:ctrlPr>
@@ -13419,7 +13375,7 @@
                       <m:sSubPr>
                         <m:ctrlPr>
                           <a:rPr lang="fr-FR" sz="1600" i="1">
-                            <a:latin typeface="Cambria Math"/>
+                            <a:latin typeface="Cambria Math" panose="02040503050406030204" pitchFamily="18" charset="0"/>
                             <a:ea typeface="Cambria Math"/>
                           </a:rPr>
                         </m:ctrlPr>
@@ -13447,7 +13403,7 @@
                       <m:sSubPr>
                         <m:ctrlPr>
                           <a:rPr lang="fr-FR" sz="1600" i="1">
-                            <a:latin typeface="Cambria Math"/>
+                            <a:latin typeface="Cambria Math" panose="02040503050406030204" pitchFamily="18" charset="0"/>
                             <a:ea typeface="Cambria Math"/>
                           </a:rPr>
                         </m:ctrlPr>
@@ -13467,7 +13423,7 @@
                             <m:type m:val="lin"/>
                             <m:ctrlPr>
                               <a:rPr lang="fr-FR" sz="1600" i="1">
-                                <a:latin typeface="Cambria Math"/>
+                                <a:latin typeface="Cambria Math" panose="02040503050406030204" pitchFamily="18" charset="0"/>
                                 <a:ea typeface="Cambria Math"/>
                               </a:rPr>
                             </m:ctrlPr>
@@ -13499,12 +13455,8 @@
               </a:p>
               <a:p>
                 <a:r>
-                  <a:rPr lang="fr-FR" dirty="0" smtClean="0"/>
-                  <a:t>On </a:t>
-                </a:r>
-                <a:r>
                   <a:rPr lang="fr-FR" dirty="0"/>
-                  <a:t>a </a:t>
+                  <a:t>On a </a:t>
                 </a:r>
                 <a14:m>
                   <m:oMath xmlns:m="http://schemas.openxmlformats.org/officeDocument/2006/math">
@@ -13512,7 +13464,7 @@
                       <m:fPr>
                         <m:ctrlPr>
                           <a:rPr lang="fr-FR" i="1">
-                            <a:latin typeface="Cambria Math"/>
+                            <a:latin typeface="Cambria Math" panose="02040503050406030204" pitchFamily="18" charset="0"/>
                           </a:rPr>
                         </m:ctrlPr>
                       </m:fPr>
@@ -13521,7 +13473,7 @@
                           <m:sSubPr>
                             <m:ctrlPr>
                               <a:rPr lang="fr-FR" i="1">
-                                <a:latin typeface="Cambria Math"/>
+                                <a:latin typeface="Cambria Math" panose="02040503050406030204" pitchFamily="18" charset="0"/>
                               </a:rPr>
                             </m:ctrlPr>
                           </m:sSubPr>
@@ -13539,7 +13491,7 @@
                                 <m:type m:val="lin"/>
                                 <m:ctrlPr>
                                   <a:rPr lang="fr-FR" i="1">
-                                    <a:latin typeface="Cambria Math"/>
+                                    <a:latin typeface="Cambria Math" panose="02040503050406030204" pitchFamily="18" charset="0"/>
                                   </a:rPr>
                                 </m:ctrlPr>
                               </m:fPr>
@@ -13568,7 +13520,7 @@
                           <m:sSubPr>
                             <m:ctrlPr>
                               <a:rPr lang="fr-FR" i="1">
-                                <a:latin typeface="Cambria Math"/>
+                                <a:latin typeface="Cambria Math" panose="02040503050406030204" pitchFamily="18" charset="0"/>
                               </a:rPr>
                             </m:ctrlPr>
                           </m:sSubPr>
@@ -13586,7 +13538,7 @@
                                 <m:type m:val="lin"/>
                                 <m:ctrlPr>
                                   <a:rPr lang="fr-FR" i="1">
-                                    <a:latin typeface="Cambria Math"/>
+                                    <a:latin typeface="Cambria Math" panose="02040503050406030204" pitchFamily="18" charset="0"/>
                                   </a:rPr>
                                 </m:ctrlPr>
                               </m:fPr>
@@ -13621,7 +13573,7 @@
                       <m:sSubPr>
                         <m:ctrlPr>
                           <a:rPr lang="fr-FR" i="1">
-                            <a:latin typeface="Cambria Math"/>
+                            <a:latin typeface="Cambria Math" panose="02040503050406030204" pitchFamily="18" charset="0"/>
                           </a:rPr>
                         </m:ctrlPr>
                       </m:sSubPr>
@@ -13654,7 +13606,7 @@
                       <m:sSubPr>
                         <m:ctrlPr>
                           <a:rPr lang="fr-FR" i="1">
-                            <a:latin typeface="Cambria Math"/>
+                            <a:latin typeface="Cambria Math" panose="02040503050406030204" pitchFamily="18" charset="0"/>
                           </a:rPr>
                         </m:ctrlPr>
                       </m:sSubPr>
@@ -13672,7 +13624,7 @@
                             <m:type m:val="lin"/>
                             <m:ctrlPr>
                               <a:rPr lang="fr-FR" i="1">
-                                <a:latin typeface="Cambria Math"/>
+                                <a:latin typeface="Cambria Math" panose="02040503050406030204" pitchFamily="18" charset="0"/>
                               </a:rPr>
                             </m:ctrlPr>
                           </m:fPr>
@@ -13705,7 +13657,7 @@
                       <m:sSubPr>
                         <m:ctrlPr>
                           <a:rPr lang="fr-FR" i="1">
-                            <a:latin typeface="Cambria Math"/>
+                            <a:latin typeface="Cambria Math" panose="02040503050406030204" pitchFamily="18" charset="0"/>
                           </a:rPr>
                         </m:ctrlPr>
                       </m:sSubPr>
@@ -13730,7 +13682,7 @@
                       <m:sSubPr>
                         <m:ctrlPr>
                           <a:rPr lang="fr-FR" i="1">
-                            <a:latin typeface="Cambria Math"/>
+                            <a:latin typeface="Cambria Math" panose="02040503050406030204" pitchFamily="18" charset="0"/>
                           </a:rPr>
                         </m:ctrlPr>
                       </m:sSubPr>
@@ -13748,7 +13700,7 @@
                             <m:type m:val="lin"/>
                             <m:ctrlPr>
                               <a:rPr lang="fr-FR" i="1">
-                                <a:latin typeface="Cambria Math"/>
+                                <a:latin typeface="Cambria Math" panose="02040503050406030204" pitchFamily="18" charset="0"/>
                               </a:rPr>
                             </m:ctrlPr>
                           </m:fPr>
@@ -13777,13 +13729,13 @@
               </a:p>
               <a:p>
                 <a:pPr lvl="1"/>
-                <a:endParaRPr lang="fr-FR" dirty="0" smtClean="0">
+                <a:endParaRPr lang="fr-FR" dirty="0">
                   <a:ea typeface="Cambria Math"/>
                 </a:endParaRPr>
               </a:p>
               <a:p>
                 <a:pPr lvl="1"/>
-                <a:endParaRPr lang="fr-FR" sz="1600" dirty="0" smtClean="0">
+                <a:endParaRPr lang="fr-FR" sz="1600" dirty="0">
                   <a:ea typeface="Cambria Math"/>
                 </a:endParaRPr>
               </a:p>
@@ -15030,7 +14982,7 @@
                           <m:dPr>
                             <m:ctrlPr>
                               <a:rPr lang="fr-FR" sz="1000" i="1" smtClean="0">
-                                <a:latin typeface="Cambria Math"/>
+                                <a:latin typeface="Cambria Math" panose="02040503050406030204" pitchFamily="18" charset="0"/>
                               </a:rPr>
                             </m:ctrlPr>
                           </m:dPr>
@@ -15052,7 +15004,7 @@
                                 <m:chr m:val="⃗"/>
                                 <m:ctrlPr>
                                   <a:rPr lang="fr-FR" sz="1000" b="0" i="1" smtClean="0">
-                                    <a:latin typeface="Cambria Math"/>
+                                    <a:latin typeface="Cambria Math" panose="02040503050406030204" pitchFamily="18" charset="0"/>
                                   </a:rPr>
                                 </m:ctrlPr>
                               </m:accPr>
@@ -15156,7 +15108,7 @@
                           <m:dPr>
                             <m:ctrlPr>
                               <a:rPr lang="fr-FR" sz="1000" i="1" smtClean="0">
-                                <a:latin typeface="Cambria Math"/>
+                                <a:latin typeface="Cambria Math" panose="02040503050406030204" pitchFamily="18" charset="0"/>
                               </a:rPr>
                             </m:ctrlPr>
                           </m:dPr>
@@ -15178,7 +15130,7 @@
                                 <m:chr m:val="⃗"/>
                                 <m:ctrlPr>
                                   <a:rPr lang="fr-FR" sz="1000" b="0" i="1" smtClean="0">
-                                    <a:latin typeface="Cambria Math"/>
+                                    <a:latin typeface="Cambria Math" panose="02040503050406030204" pitchFamily="18" charset="0"/>
                                   </a:rPr>
                                 </m:ctrlPr>
                               </m:accPr>
@@ -15282,7 +15234,7 @@
                           <m:dPr>
                             <m:ctrlPr>
                               <a:rPr lang="fr-FR" sz="1000" i="1" smtClean="0">
-                                <a:latin typeface="Cambria Math"/>
+                                <a:latin typeface="Cambria Math" panose="02040503050406030204" pitchFamily="18" charset="0"/>
                               </a:rPr>
                             </m:ctrlPr>
                           </m:dPr>
@@ -15304,7 +15256,7 @@
                                 <m:chr m:val="⃗"/>
                                 <m:ctrlPr>
                                   <a:rPr lang="fr-FR" sz="1000" b="0" i="1" smtClean="0">
-                                    <a:latin typeface="Cambria Math"/>
+                                    <a:latin typeface="Cambria Math" panose="02040503050406030204" pitchFamily="18" charset="0"/>
                                   </a:rPr>
                                 </m:ctrlPr>
                               </m:accPr>
@@ -15408,7 +15360,7 @@
                           <m:dPr>
                             <m:ctrlPr>
                               <a:rPr lang="fr-FR" sz="1000" i="1" smtClean="0">
-                                <a:latin typeface="Cambria Math"/>
+                                <a:latin typeface="Cambria Math" panose="02040503050406030204" pitchFamily="18" charset="0"/>
                               </a:rPr>
                             </m:ctrlPr>
                           </m:dPr>
@@ -15430,7 +15382,7 @@
                                 <m:chr m:val="⃗"/>
                                 <m:ctrlPr>
                                   <a:rPr lang="fr-FR" sz="1000" b="0" i="1" smtClean="0">
-                                    <a:latin typeface="Cambria Math"/>
+                                    <a:latin typeface="Cambria Math" panose="02040503050406030204" pitchFamily="18" charset="0"/>
                                   </a:rPr>
                                 </m:ctrlPr>
                               </m:accPr>
@@ -15534,7 +15486,7 @@
                           <m:dPr>
                             <m:ctrlPr>
                               <a:rPr lang="fr-FR" sz="1000" i="1" smtClean="0">
-                                <a:latin typeface="Cambria Math"/>
+                                <a:latin typeface="Cambria Math" panose="02040503050406030204" pitchFamily="18" charset="0"/>
                               </a:rPr>
                             </m:ctrlPr>
                           </m:dPr>
@@ -15556,7 +15508,7 @@
                                 <m:chr m:val="⃗"/>
                                 <m:ctrlPr>
                                   <a:rPr lang="fr-FR" sz="1000" b="0" i="1" smtClean="0">
-                                    <a:latin typeface="Cambria Math"/>
+                                    <a:latin typeface="Cambria Math" panose="02040503050406030204" pitchFamily="18" charset="0"/>
                                   </a:rPr>
                                 </m:ctrlPr>
                               </m:accPr>
@@ -17480,7 +17432,7 @@
                       <m:sSubPr>
                         <m:ctrlPr>
                           <a:rPr lang="fr-FR" sz="2000" b="0" i="1" smtClean="0">
-                            <a:latin typeface="Cambria Math"/>
+                            <a:latin typeface="Cambria Math" panose="02040503050406030204" pitchFamily="18" charset="0"/>
                             <a:ea typeface="Cambria Math"/>
                           </a:rPr>
                         </m:ctrlPr>
@@ -17515,7 +17467,7 @@
                       <m:fPr>
                         <m:ctrlPr>
                           <a:rPr lang="fr-FR" sz="2000" b="0" i="1" smtClean="0">
-                            <a:latin typeface="Cambria Math"/>
+                            <a:latin typeface="Cambria Math" panose="02040503050406030204" pitchFamily="18" charset="0"/>
                             <a:ea typeface="Cambria Math"/>
                           </a:rPr>
                         </m:ctrlPr>
@@ -17545,7 +17497,7 @@
                         <m:endChr m:val="}"/>
                         <m:ctrlPr>
                           <a:rPr lang="fr-FR" sz="2000" b="0" i="1" smtClean="0">
-                            <a:latin typeface="Cambria Math"/>
+                            <a:latin typeface="Cambria Math" panose="02040503050406030204" pitchFamily="18" charset="0"/>
                             <a:ea typeface="Cambria Math"/>
                           </a:rPr>
                         </m:ctrlPr>
@@ -17555,7 +17507,7 @@
                           <m:eqArrPr>
                             <m:ctrlPr>
                               <a:rPr lang="fr-FR" sz="2000" b="0" i="1" smtClean="0">
-                                <a:latin typeface="Cambria Math"/>
+                                <a:latin typeface="Cambria Math" panose="02040503050406030204" pitchFamily="18" charset="0"/>
                                 <a:ea typeface="Cambria Math"/>
                               </a:rPr>
                             </m:ctrlPr>
@@ -17573,7 +17525,7 @@
                                 <m:chr m:val="⃗"/>
                                 <m:ctrlPr>
                                   <a:rPr lang="fr-FR" sz="2000" b="0" i="1" smtClean="0">
-                                    <a:latin typeface="Cambria Math"/>
+                                    <a:latin typeface="Cambria Math" panose="02040503050406030204" pitchFamily="18" charset="0"/>
                                     <a:ea typeface="Cambria Math"/>
                                   </a:rPr>
                                 </m:ctrlPr>
@@ -17590,7 +17542,7 @@
                                   <m:dPr>
                                     <m:ctrlPr>
                                       <a:rPr lang="fr-FR" sz="2000" i="1">
-                                        <a:latin typeface="Cambria Math"/>
+                                        <a:latin typeface="Cambria Math" panose="02040503050406030204" pitchFamily="18" charset="0"/>
                                         <a:ea typeface="Cambria Math"/>
                                       </a:rPr>
                                     </m:ctrlPr>
@@ -17600,7 +17552,7 @@
                                       <m:sSubPr>
                                         <m:ctrlPr>
                                           <a:rPr lang="fr-FR" sz="2000" b="0" i="1" smtClean="0">
-                                            <a:latin typeface="Cambria Math"/>
+                                            <a:latin typeface="Cambria Math" panose="02040503050406030204" pitchFamily="18" charset="0"/>
                                             <a:ea typeface="Cambria Math"/>
                                           </a:rPr>
                                         </m:ctrlPr>
@@ -17636,7 +17588,7 @@
                                         <m:type m:val="lin"/>
                                         <m:ctrlPr>
                                           <a:rPr lang="fr-FR" sz="2000" b="0" i="1" smtClean="0">
-                                            <a:latin typeface="Cambria Math"/>
+                                            <a:latin typeface="Cambria Math" panose="02040503050406030204" pitchFamily="18" charset="0"/>
                                             <a:ea typeface="Cambria Math"/>
                                           </a:rPr>
                                         </m:ctrlPr>
@@ -17670,7 +17622,7 @@
                               <m:sSubPr>
                                 <m:ctrlPr>
                                   <a:rPr lang="fr-FR" sz="2000" b="0" i="1" smtClean="0">
-                                    <a:latin typeface="Cambria Math"/>
+                                    <a:latin typeface="Cambria Math" panose="02040503050406030204" pitchFamily="18" charset="0"/>
                                     <a:ea typeface="Cambria Math"/>
                                   </a:rPr>
                                 </m:ctrlPr>
@@ -17698,7 +17650,7 @@
                               <m:sSubPr>
                                 <m:ctrlPr>
                                   <a:rPr lang="fr-FR" sz="2000" b="0" i="1" smtClean="0">
-                                    <a:latin typeface="Cambria Math"/>
+                                    <a:latin typeface="Cambria Math" panose="02040503050406030204" pitchFamily="18" charset="0"/>
                                     <a:ea typeface="Cambria Math"/>
                                   </a:rPr>
                                 </m:ctrlPr>
@@ -17718,7 +17670,7 @@
                                     <m:type m:val="lin"/>
                                     <m:ctrlPr>
                                       <a:rPr lang="fr-FR" sz="2000" b="0" i="1" smtClean="0">
-                                        <a:latin typeface="Cambria Math"/>
+                                        <a:latin typeface="Cambria Math" panose="02040503050406030204" pitchFamily="18" charset="0"/>
                                         <a:ea typeface="Cambria Math"/>
                                       </a:rPr>
                                     </m:ctrlPr>
@@ -17749,7 +17701,7 @@
                                 <m:chr m:val="⃗"/>
                                 <m:ctrlPr>
                                   <a:rPr lang="fr-FR" sz="2000" b="0" i="1" smtClean="0">
-                                    <a:latin typeface="Cambria Math"/>
+                                    <a:latin typeface="Cambria Math" panose="02040503050406030204" pitchFamily="18" charset="0"/>
                                     <a:ea typeface="Cambria Math"/>
                                   </a:rPr>
                                 </m:ctrlPr>
@@ -17781,7 +17733,7 @@
                         <m:endChr m:val="}"/>
                         <m:ctrlPr>
                           <a:rPr lang="fr-FR" sz="2000" i="1">
-                            <a:latin typeface="Cambria Math"/>
+                            <a:latin typeface="Cambria Math" panose="02040503050406030204" pitchFamily="18" charset="0"/>
                             <a:ea typeface="Cambria Math"/>
                           </a:rPr>
                         </m:ctrlPr>
@@ -17791,7 +17743,7 @@
                           <m:eqArrPr>
                             <m:ctrlPr>
                               <a:rPr lang="fr-FR" sz="2000" i="1">
-                                <a:latin typeface="Cambria Math"/>
+                                <a:latin typeface="Cambria Math" panose="02040503050406030204" pitchFamily="18" charset="0"/>
                                 <a:ea typeface="Cambria Math"/>
                               </a:rPr>
                             </m:ctrlPr>
@@ -17802,7 +17754,7 @@
                                 <m:chr m:val="⃗"/>
                                 <m:ctrlPr>
                                   <a:rPr lang="fr-FR" sz="2000" i="1">
-                                    <a:latin typeface="Cambria Math"/>
+                                    <a:latin typeface="Cambria Math" panose="02040503050406030204" pitchFamily="18" charset="0"/>
                                     <a:ea typeface="Cambria Math"/>
                                   </a:rPr>
                                 </m:ctrlPr>
@@ -17822,7 +17774,7 @@
                                   <m:dPr>
                                     <m:ctrlPr>
                                       <a:rPr lang="fr-FR" sz="2000" i="1">
-                                        <a:latin typeface="Cambria Math"/>
+                                        <a:latin typeface="Cambria Math" panose="02040503050406030204" pitchFamily="18" charset="0"/>
                                         <a:ea typeface="Cambria Math"/>
                                       </a:rPr>
                                     </m:ctrlPr>
@@ -17833,7 +17785,7 @@
                                         <m:type m:val="lin"/>
                                         <m:ctrlPr>
                                           <a:rPr lang="fr-FR" sz="2000" i="1">
-                                            <a:latin typeface="Cambria Math"/>
+                                            <a:latin typeface="Cambria Math" panose="02040503050406030204" pitchFamily="18" charset="0"/>
                                             <a:ea typeface="Cambria Math"/>
                                           </a:rPr>
                                         </m:ctrlPr>
@@ -17872,7 +17824,7 @@
                               <m:sSubPr>
                                 <m:ctrlPr>
                                   <a:rPr lang="fr-FR" sz="2000" i="1">
-                                    <a:latin typeface="Cambria Math"/>
+                                    <a:latin typeface="Cambria Math" panose="02040503050406030204" pitchFamily="18" charset="0"/>
                                     <a:ea typeface="Cambria Math"/>
                                   </a:rPr>
                                 </m:ctrlPr>
@@ -17892,7 +17844,7 @@
                                     <m:type m:val="lin"/>
                                     <m:ctrlPr>
                                       <a:rPr lang="fr-FR" sz="2000" i="1">
-                                        <a:latin typeface="Cambria Math"/>
+                                        <a:latin typeface="Cambria Math" panose="02040503050406030204" pitchFamily="18" charset="0"/>
                                         <a:ea typeface="Cambria Math"/>
                                       </a:rPr>
                                     </m:ctrlPr>
@@ -17923,7 +17875,7 @@
                                 <m:chr m:val="⃗"/>
                                 <m:ctrlPr>
                                   <a:rPr lang="fr-FR" sz="2000" i="1">
-                                    <a:latin typeface="Cambria Math"/>
+                                    <a:latin typeface="Cambria Math" panose="02040503050406030204" pitchFamily="18" charset="0"/>
                                     <a:ea typeface="Cambria Math"/>
                                   </a:rPr>
                                 </m:ctrlPr>
@@ -17945,7 +17897,7 @@
                                 <m:chr m:val="⃗"/>
                                 <m:ctrlPr>
                                   <a:rPr lang="fr-FR" sz="2000" i="1">
-                                    <a:latin typeface="Cambria Math"/>
+                                    <a:latin typeface="Cambria Math" panose="02040503050406030204" pitchFamily="18" charset="0"/>
                                     <a:ea typeface="Cambria Math"/>
                                   </a:rPr>
                                 </m:ctrlPr>
@@ -17962,7 +17914,7 @@
                                   <m:dPr>
                                     <m:ctrlPr>
                                       <a:rPr lang="fr-FR" sz="2000" i="1">
-                                        <a:latin typeface="Cambria Math"/>
+                                        <a:latin typeface="Cambria Math" panose="02040503050406030204" pitchFamily="18" charset="0"/>
                                         <a:ea typeface="Cambria Math"/>
                                       </a:rPr>
                                     </m:ctrlPr>
@@ -17972,7 +17924,7 @@
                                       <m:sSubPr>
                                         <m:ctrlPr>
                                           <a:rPr lang="fr-FR" sz="2000" i="1">
-                                            <a:latin typeface="Cambria Math"/>
+                                            <a:latin typeface="Cambria Math" panose="02040503050406030204" pitchFamily="18" charset="0"/>
                                             <a:ea typeface="Cambria Math"/>
                                           </a:rPr>
                                         </m:ctrlPr>
@@ -18008,7 +17960,7 @@
                                         <m:type m:val="lin"/>
                                         <m:ctrlPr>
                                           <a:rPr lang="fr-FR" sz="2000" i="1">
-                                            <a:latin typeface="Cambria Math"/>
+                                            <a:latin typeface="Cambria Math" panose="02040503050406030204" pitchFamily="18" charset="0"/>
                                             <a:ea typeface="Cambria Math"/>
                                           </a:rPr>
                                         </m:ctrlPr>
@@ -18042,7 +17994,7 @@
                     </m:d>
                   </m:oMath>
                 </a14:m>
-                <a:endParaRPr lang="fr-FR" sz="2000" dirty="0" smtClean="0">
+                <a:endParaRPr lang="fr-FR" sz="2000" dirty="0">
                   <a:ea typeface="Cambria Math"/>
                 </a:endParaRPr>
               </a:p>
@@ -18053,7 +18005,7 @@
                       <m:sSubPr>
                         <m:ctrlPr>
                           <a:rPr lang="fr-FR" sz="1800" i="1">
-                            <a:latin typeface="Cambria Math"/>
+                            <a:latin typeface="Cambria Math" panose="02040503050406030204" pitchFamily="18" charset="0"/>
                             <a:ea typeface="Cambria Math"/>
                           </a:rPr>
                         </m:ctrlPr>
@@ -18102,7 +18054,7 @@
                       <m:sSupPr>
                         <m:ctrlPr>
                           <a:rPr lang="fr-FR" sz="1800" b="0" i="1" smtClean="0">
-                            <a:latin typeface="Cambria Math"/>
+                            <a:latin typeface="Cambria Math" panose="02040503050406030204" pitchFamily="18" charset="0"/>
                             <a:ea typeface="Cambria Math"/>
                           </a:rPr>
                         </m:ctrlPr>
@@ -18113,7 +18065,7 @@
                             <m:chr m:val="⃗"/>
                             <m:ctrlPr>
                               <a:rPr lang="fr-FR" sz="1800" i="1">
-                                <a:latin typeface="Cambria Math"/>
+                                <a:latin typeface="Cambria Math" panose="02040503050406030204" pitchFamily="18" charset="0"/>
                                 <a:ea typeface="Cambria Math"/>
                               </a:rPr>
                             </m:ctrlPr>
@@ -18130,7 +18082,7 @@
                               <m:dPr>
                                 <m:ctrlPr>
                                   <a:rPr lang="fr-FR" sz="1800" i="1">
-                                    <a:latin typeface="Cambria Math"/>
+                                    <a:latin typeface="Cambria Math" panose="02040503050406030204" pitchFamily="18" charset="0"/>
                                     <a:ea typeface="Cambria Math"/>
                                   </a:rPr>
                                 </m:ctrlPr>
@@ -18140,7 +18092,7 @@
                                   <m:sSubPr>
                                     <m:ctrlPr>
                                       <a:rPr lang="fr-FR" sz="1800" i="1">
-                                        <a:latin typeface="Cambria Math"/>
+                                        <a:latin typeface="Cambria Math" panose="02040503050406030204" pitchFamily="18" charset="0"/>
                                         <a:ea typeface="Cambria Math"/>
                                       </a:rPr>
                                     </m:ctrlPr>
@@ -18176,7 +18128,7 @@
                                     <m:type m:val="lin"/>
                                     <m:ctrlPr>
                                       <a:rPr lang="fr-FR" sz="1800" i="1">
-                                        <a:latin typeface="Cambria Math"/>
+                                        <a:latin typeface="Cambria Math" panose="02040503050406030204" pitchFamily="18" charset="0"/>
                                         <a:ea typeface="Cambria Math"/>
                                       </a:rPr>
                                     </m:ctrlPr>
@@ -18226,7 +18178,7 @@
                       <m:sSubPr>
                         <m:ctrlPr>
                           <a:rPr lang="fr-FR" sz="1800" i="1">
-                            <a:latin typeface="Cambria Math"/>
+                            <a:latin typeface="Cambria Math" panose="02040503050406030204" pitchFamily="18" charset="0"/>
                             <a:ea typeface="Cambria Math"/>
                           </a:rPr>
                         </m:ctrlPr>
@@ -18254,7 +18206,7 @@
                       <m:sSubSupPr>
                         <m:ctrlPr>
                           <a:rPr lang="fr-FR" sz="1800" b="0" i="1" smtClean="0">
-                            <a:latin typeface="Cambria Math"/>
+                            <a:latin typeface="Cambria Math" panose="02040503050406030204" pitchFamily="18" charset="0"/>
                             <a:ea typeface="Cambria Math"/>
                           </a:rPr>
                         </m:ctrlPr>
@@ -18274,7 +18226,7 @@
                             <m:type m:val="lin"/>
                             <m:ctrlPr>
                               <a:rPr lang="fr-FR" sz="1800" i="1">
-                                <a:latin typeface="Cambria Math"/>
+                                <a:latin typeface="Cambria Math" panose="02040503050406030204" pitchFamily="18" charset="0"/>
                                 <a:ea typeface="Cambria Math"/>
                               </a:rPr>
                             </m:ctrlPr>
@@ -18327,7 +18279,7 @@
                       <m:sSubSupPr>
                         <m:ctrlPr>
                           <a:rPr lang="fr-FR" sz="1800" b="0" i="1" smtClean="0">
-                            <a:latin typeface="Cambria Math"/>
+                            <a:latin typeface="Cambria Math" panose="02040503050406030204" pitchFamily="18" charset="0"/>
                             <a:ea typeface="Cambria Math"/>
                           </a:rPr>
                         </m:ctrlPr>
@@ -18364,7 +18316,7 @@
                       <m:sSubSupPr>
                         <m:ctrlPr>
                           <a:rPr lang="fr-FR" sz="1800" i="1">
-                            <a:latin typeface="Cambria Math"/>
+                            <a:latin typeface="Cambria Math" panose="02040503050406030204" pitchFamily="18" charset="0"/>
                             <a:ea typeface="Cambria Math"/>
                           </a:rPr>
                         </m:ctrlPr>
@@ -18384,7 +18336,7 @@
                             <m:type m:val="lin"/>
                             <m:ctrlPr>
                               <a:rPr lang="fr-FR" sz="1800" i="1">
-                                <a:latin typeface="Cambria Math"/>
+                                <a:latin typeface="Cambria Math" panose="02040503050406030204" pitchFamily="18" charset="0"/>
                                 <a:ea typeface="Cambria Math"/>
                               </a:rPr>
                             </m:ctrlPr>
@@ -18430,7 +18382,7 @@
                       <m:sSubPr>
                         <m:ctrlPr>
                           <a:rPr lang="fr-FR" sz="1800" b="0" i="1" smtClean="0">
-                            <a:latin typeface="Cambria Math"/>
+                            <a:latin typeface="Cambria Math" panose="02040503050406030204" pitchFamily="18" charset="0"/>
                             <a:ea typeface="Cambria Math"/>
                           </a:rPr>
                         </m:ctrlPr>
@@ -18458,7 +18410,7 @@
                       <m:sSupPr>
                         <m:ctrlPr>
                           <a:rPr lang="fr-FR" sz="1800" b="0" i="1" smtClean="0">
-                            <a:latin typeface="Cambria Math"/>
+                            <a:latin typeface="Cambria Math" panose="02040503050406030204" pitchFamily="18" charset="0"/>
                             <a:ea typeface="Cambria Math"/>
                           </a:rPr>
                         </m:ctrlPr>
@@ -18468,7 +18420,7 @@
                           <m:dPr>
                             <m:ctrlPr>
                               <a:rPr lang="fr-FR" sz="1800" b="0" i="1" smtClean="0">
-                                <a:latin typeface="Cambria Math"/>
+                                <a:latin typeface="Cambria Math" panose="02040503050406030204" pitchFamily="18" charset="0"/>
                                 <a:ea typeface="Cambria Math"/>
                               </a:rPr>
                             </m:ctrlPr>
@@ -18478,7 +18430,7 @@
                               <m:sSubPr>
                                 <m:ctrlPr>
                                   <a:rPr lang="fr-FR" sz="1800" b="0" i="1" smtClean="0">
-                                    <a:latin typeface="Cambria Math"/>
+                                    <a:latin typeface="Cambria Math" panose="02040503050406030204" pitchFamily="18" charset="0"/>
                                     <a:ea typeface="Cambria Math"/>
                                   </a:rPr>
                                 </m:ctrlPr>
@@ -18506,7 +18458,7 @@
                               <m:sSubPr>
                                 <m:ctrlPr>
                                   <a:rPr lang="fr-FR" sz="1800" i="1">
-                                    <a:latin typeface="Cambria Math"/>
+                                    <a:latin typeface="Cambria Math" panose="02040503050406030204" pitchFamily="18" charset="0"/>
                                     <a:ea typeface="Cambria Math"/>
                                   </a:rPr>
                                 </m:ctrlPr>
@@ -18526,7 +18478,7 @@
                                     <m:type m:val="lin"/>
                                     <m:ctrlPr>
                                       <a:rPr lang="fr-FR" sz="1800" i="1">
-                                        <a:latin typeface="Cambria Math"/>
+                                        <a:latin typeface="Cambria Math" panose="02040503050406030204" pitchFamily="18" charset="0"/>
                                         <a:ea typeface="Cambria Math"/>
                                       </a:rPr>
                                     </m:ctrlPr>
@@ -18563,7 +18515,7 @@
                               <m:fPr>
                                 <m:ctrlPr>
                                   <a:rPr lang="fr-FR" sz="1800" i="1">
-                                    <a:latin typeface="Cambria Math"/>
+                                    <a:latin typeface="Cambria Math" panose="02040503050406030204" pitchFamily="18" charset="0"/>
                                     <a:ea typeface="Cambria Math"/>
                                   </a:rPr>
                                 </m:ctrlPr>
@@ -18573,7 +18525,7 @@
                                   <m:sSubPr>
                                     <m:ctrlPr>
                                       <a:rPr lang="fr-FR" sz="1800" i="1">
-                                        <a:latin typeface="Cambria Math"/>
+                                        <a:latin typeface="Cambria Math" panose="02040503050406030204" pitchFamily="18" charset="0"/>
                                         <a:ea typeface="Cambria Math"/>
                                       </a:rPr>
                                     </m:ctrlPr>
@@ -18603,7 +18555,7 @@
                                   <m:sSubPr>
                                     <m:ctrlPr>
                                       <a:rPr lang="fr-FR" sz="1800" i="1">
-                                        <a:latin typeface="Cambria Math"/>
+                                        <a:latin typeface="Cambria Math" panose="02040503050406030204" pitchFamily="18" charset="0"/>
                                         <a:ea typeface="Cambria Math"/>
                                       </a:rPr>
                                     </m:ctrlPr>
@@ -18633,7 +18585,7 @@
                               <m:sSubPr>
                                 <m:ctrlPr>
                                   <a:rPr lang="fr-FR" sz="1800" i="1">
-                                    <a:latin typeface="Cambria Math"/>
+                                    <a:latin typeface="Cambria Math" panose="02040503050406030204" pitchFamily="18" charset="0"/>
                                     <a:ea typeface="Cambria Math"/>
                                   </a:rPr>
                                 </m:ctrlPr>
@@ -18653,7 +18605,7 @@
                                     <m:type m:val="lin"/>
                                     <m:ctrlPr>
                                       <a:rPr lang="fr-FR" sz="1800" i="1">
-                                        <a:latin typeface="Cambria Math"/>
+                                        <a:latin typeface="Cambria Math" panose="02040503050406030204" pitchFamily="18" charset="0"/>
                                         <a:ea typeface="Cambria Math"/>
                                       </a:rPr>
                                     </m:ctrlPr>
@@ -18710,7 +18662,7 @@
                       <m:sSubSupPr>
                         <m:ctrlPr>
                           <a:rPr lang="fr-FR" sz="1800" i="1">
-                            <a:latin typeface="Cambria Math"/>
+                            <a:latin typeface="Cambria Math" panose="02040503050406030204" pitchFamily="18" charset="0"/>
                             <a:ea typeface="Cambria Math"/>
                           </a:rPr>
                         </m:ctrlPr>
@@ -18747,7 +18699,7 @@
                       <m:sSupPr>
                         <m:ctrlPr>
                           <a:rPr lang="fr-FR" sz="1800" b="0" i="1" smtClean="0">
-                            <a:latin typeface="Cambria Math"/>
+                            <a:latin typeface="Cambria Math" panose="02040503050406030204" pitchFamily="18" charset="0"/>
                             <a:ea typeface="Cambria Math"/>
                           </a:rPr>
                         </m:ctrlPr>
@@ -18757,7 +18709,7 @@
                           <m:dPr>
                             <m:ctrlPr>
                               <a:rPr lang="fr-FR" sz="1800" i="1" smtClean="0">
-                                <a:latin typeface="Cambria Math"/>
+                                <a:latin typeface="Cambria Math" panose="02040503050406030204" pitchFamily="18" charset="0"/>
                                 <a:ea typeface="Cambria Math"/>
                               </a:rPr>
                             </m:ctrlPr>
@@ -18767,7 +18719,7 @@
                               <m:fPr>
                                 <m:ctrlPr>
                                   <a:rPr lang="fr-FR" sz="1800" i="1">
-                                    <a:latin typeface="Cambria Math"/>
+                                    <a:latin typeface="Cambria Math" panose="02040503050406030204" pitchFamily="18" charset="0"/>
                                     <a:ea typeface="Cambria Math"/>
                                   </a:rPr>
                                 </m:ctrlPr>
@@ -18777,7 +18729,7 @@
                                   <m:sSubPr>
                                     <m:ctrlPr>
                                       <a:rPr lang="fr-FR" sz="1800" i="1">
-                                        <a:latin typeface="Cambria Math"/>
+                                        <a:latin typeface="Cambria Math" panose="02040503050406030204" pitchFamily="18" charset="0"/>
                                         <a:ea typeface="Cambria Math"/>
                                       </a:rPr>
                                     </m:ctrlPr>
@@ -18807,7 +18759,7 @@
                                   <m:sSubPr>
                                     <m:ctrlPr>
                                       <a:rPr lang="fr-FR" sz="1800" i="1">
-                                        <a:latin typeface="Cambria Math"/>
+                                        <a:latin typeface="Cambria Math" panose="02040503050406030204" pitchFamily="18" charset="0"/>
                                         <a:ea typeface="Cambria Math"/>
                                       </a:rPr>
                                     </m:ctrlPr>
@@ -18837,7 +18789,7 @@
                               <m:sSubPr>
                                 <m:ctrlPr>
                                   <a:rPr lang="fr-FR" sz="1800" b="0" i="1" smtClean="0">
-                                    <a:latin typeface="Cambria Math"/>
+                                    <a:latin typeface="Cambria Math" panose="02040503050406030204" pitchFamily="18" charset="0"/>
                                     <a:ea typeface="Cambria Math"/>
                                   </a:rPr>
                                 </m:ctrlPr>
@@ -18878,7 +18830,7 @@
                       <m:sSubSupPr>
                         <m:ctrlPr>
                           <a:rPr lang="fr-FR" sz="1800" b="0" i="1" smtClean="0">
-                            <a:latin typeface="Cambria Math"/>
+                            <a:latin typeface="Cambria Math" panose="02040503050406030204" pitchFamily="18" charset="0"/>
                             <a:ea typeface="Cambria Math"/>
                           </a:rPr>
                         </m:ctrlPr>
@@ -18898,7 +18850,7 @@
                             <m:type m:val="lin"/>
                             <m:ctrlPr>
                               <a:rPr lang="fr-FR" sz="1800" i="1">
-                                <a:latin typeface="Cambria Math"/>
+                                <a:latin typeface="Cambria Math" panose="02040503050406030204" pitchFamily="18" charset="0"/>
                                 <a:ea typeface="Cambria Math"/>
                               </a:rPr>
                             </m:ctrlPr>
@@ -18944,7 +18896,7 @@
                       <m:sSubPr>
                         <m:ctrlPr>
                           <a:rPr lang="fr-FR" sz="1800" i="1">
-                            <a:latin typeface="Cambria Math"/>
+                            <a:latin typeface="Cambria Math" panose="02040503050406030204" pitchFamily="18" charset="0"/>
                             <a:ea typeface="Cambria Math"/>
                           </a:rPr>
                         </m:ctrlPr>
@@ -18972,7 +18924,7 @@
                       <m:sSupPr>
                         <m:ctrlPr>
                           <a:rPr lang="fr-FR" sz="1800" b="0" i="1" smtClean="0">
-                            <a:latin typeface="Cambria Math"/>
+                            <a:latin typeface="Cambria Math" panose="02040503050406030204" pitchFamily="18" charset="0"/>
                             <a:ea typeface="Cambria Math"/>
                           </a:rPr>
                         </m:ctrlPr>
@@ -18982,7 +18934,7 @@
                           <m:dPr>
                             <m:ctrlPr>
                               <a:rPr lang="fr-FR" sz="1800" i="1">
-                                <a:latin typeface="Cambria Math"/>
+                                <a:latin typeface="Cambria Math" panose="02040503050406030204" pitchFamily="18" charset="0"/>
                                 <a:ea typeface="Cambria Math"/>
                               </a:rPr>
                             </m:ctrlPr>
@@ -18992,7 +18944,7 @@
                               <m:sSubPr>
                                 <m:ctrlPr>
                                   <a:rPr lang="fr-FR" sz="1800" i="1">
-                                    <a:latin typeface="Cambria Math"/>
+                                    <a:latin typeface="Cambria Math" panose="02040503050406030204" pitchFamily="18" charset="0"/>
                                     <a:ea typeface="Cambria Math"/>
                                   </a:rPr>
                                 </m:ctrlPr>
@@ -19027,7 +18979,7 @@
                               <m:fPr>
                                 <m:ctrlPr>
                                   <a:rPr lang="fr-FR" sz="1800" i="1">
-                                    <a:latin typeface="Cambria Math"/>
+                                    <a:latin typeface="Cambria Math" panose="02040503050406030204" pitchFamily="18" charset="0"/>
                                     <a:ea typeface="Cambria Math"/>
                                   </a:rPr>
                                 </m:ctrlPr>
@@ -19037,7 +18989,7 @@
                                   <m:sSubPr>
                                     <m:ctrlPr>
                                       <a:rPr lang="fr-FR" sz="1800" i="1">
-                                        <a:latin typeface="Cambria Math"/>
+                                        <a:latin typeface="Cambria Math" panose="02040503050406030204" pitchFamily="18" charset="0"/>
                                         <a:ea typeface="Cambria Math"/>
                                       </a:rPr>
                                     </m:ctrlPr>
@@ -19067,7 +19019,7 @@
                                   <m:sSubPr>
                                     <m:ctrlPr>
                                       <a:rPr lang="fr-FR" sz="1800" i="1">
-                                        <a:latin typeface="Cambria Math"/>
+                                        <a:latin typeface="Cambria Math" panose="02040503050406030204" pitchFamily="18" charset="0"/>
                                         <a:ea typeface="Cambria Math"/>
                                       </a:rPr>
                                     </m:ctrlPr>
@@ -19097,7 +19049,7 @@
                               <m:sSubPr>
                                 <m:ctrlPr>
                                   <a:rPr lang="fr-FR" sz="1800" b="0" i="1" smtClean="0">
-                                    <a:latin typeface="Cambria Math"/>
+                                    <a:latin typeface="Cambria Math" panose="02040503050406030204" pitchFamily="18" charset="0"/>
                                     <a:ea typeface="Cambria Math"/>
                                   </a:rPr>
                                 </m:ctrlPr>
@@ -19138,7 +19090,7 @@
                       <m:sSubSupPr>
                         <m:ctrlPr>
                           <a:rPr lang="fr-FR" sz="1800" b="0" i="1" smtClean="0">
-                            <a:latin typeface="Cambria Math"/>
+                            <a:latin typeface="Cambria Math" panose="02040503050406030204" pitchFamily="18" charset="0"/>
                             <a:ea typeface="Cambria Math"/>
                           </a:rPr>
                         </m:ctrlPr>
@@ -19158,7 +19110,7 @@
                             <m:type m:val="lin"/>
                             <m:ctrlPr>
                               <a:rPr lang="fr-FR" sz="1800" i="1">
-                                <a:latin typeface="Cambria Math"/>
+                                <a:latin typeface="Cambria Math" panose="02040503050406030204" pitchFamily="18" charset="0"/>
                                 <a:ea typeface="Cambria Math"/>
                               </a:rPr>
                             </m:ctrlPr>
@@ -19195,19 +19147,19 @@
                     </m:sSubSup>
                   </m:oMath>
                 </a14:m>
-                <a:endParaRPr lang="fr-FR" sz="2100" dirty="0" smtClean="0">
+                <a:endParaRPr lang="fr-FR" sz="2100" dirty="0">
                   <a:ea typeface="Cambria Math"/>
                 </a:endParaRPr>
               </a:p>
               <a:p>
-                <a:endParaRPr lang="fr-FR" sz="2400" dirty="0" smtClean="0"/>
+                <a:endParaRPr lang="fr-FR" sz="2400" dirty="0"/>
               </a:p>
               <a:p>
                 <a:endParaRPr lang="fr-FR" sz="2400" dirty="0"/>
               </a:p>
               <a:p>
                 <a:pPr lvl="1"/>
-                <a:endParaRPr lang="fr-FR" sz="1600" dirty="0" smtClean="0">
+                <a:endParaRPr lang="fr-FR" sz="1600" dirty="0">
                   <a:ea typeface="Cambria Math"/>
                 </a:endParaRPr>
               </a:p>
@@ -20411,7 +20363,7 @@
                           <m:dPr>
                             <m:ctrlPr>
                               <a:rPr lang="fr-FR" sz="1000" i="1" smtClean="0">
-                                <a:latin typeface="Cambria Math"/>
+                                <a:latin typeface="Cambria Math" panose="02040503050406030204" pitchFamily="18" charset="0"/>
                               </a:rPr>
                             </m:ctrlPr>
                           </m:dPr>
@@ -20433,7 +20385,7 @@
                                 <m:chr m:val="⃗"/>
                                 <m:ctrlPr>
                                   <a:rPr lang="fr-FR" sz="1000" b="0" i="1" smtClean="0">
-                                    <a:latin typeface="Cambria Math"/>
+                                    <a:latin typeface="Cambria Math" panose="02040503050406030204" pitchFamily="18" charset="0"/>
                                   </a:rPr>
                                 </m:ctrlPr>
                               </m:accPr>
@@ -20537,7 +20489,7 @@
                           <m:dPr>
                             <m:ctrlPr>
                               <a:rPr lang="fr-FR" sz="1000" i="1" smtClean="0">
-                                <a:latin typeface="Cambria Math"/>
+                                <a:latin typeface="Cambria Math" panose="02040503050406030204" pitchFamily="18" charset="0"/>
                               </a:rPr>
                             </m:ctrlPr>
                           </m:dPr>
@@ -20559,7 +20511,7 @@
                                 <m:chr m:val="⃗"/>
                                 <m:ctrlPr>
                                   <a:rPr lang="fr-FR" sz="1000" b="0" i="1" smtClean="0">
-                                    <a:latin typeface="Cambria Math"/>
+                                    <a:latin typeface="Cambria Math" panose="02040503050406030204" pitchFamily="18" charset="0"/>
                                   </a:rPr>
                                 </m:ctrlPr>
                               </m:accPr>
@@ -20663,7 +20615,7 @@
                           <m:dPr>
                             <m:ctrlPr>
                               <a:rPr lang="fr-FR" sz="1000" i="1" smtClean="0">
-                                <a:latin typeface="Cambria Math"/>
+                                <a:latin typeface="Cambria Math" panose="02040503050406030204" pitchFamily="18" charset="0"/>
                               </a:rPr>
                             </m:ctrlPr>
                           </m:dPr>
@@ -20685,7 +20637,7 @@
                                 <m:chr m:val="⃗"/>
                                 <m:ctrlPr>
                                   <a:rPr lang="fr-FR" sz="1000" b="0" i="1" smtClean="0">
-                                    <a:latin typeface="Cambria Math"/>
+                                    <a:latin typeface="Cambria Math" panose="02040503050406030204" pitchFamily="18" charset="0"/>
                                   </a:rPr>
                                 </m:ctrlPr>
                               </m:accPr>
@@ -20789,7 +20741,7 @@
                           <m:dPr>
                             <m:ctrlPr>
                               <a:rPr lang="fr-FR" sz="1000" i="1" smtClean="0">
-                                <a:latin typeface="Cambria Math"/>
+                                <a:latin typeface="Cambria Math" panose="02040503050406030204" pitchFamily="18" charset="0"/>
                               </a:rPr>
                             </m:ctrlPr>
                           </m:dPr>
@@ -20811,7 +20763,7 @@
                                 <m:chr m:val="⃗"/>
                                 <m:ctrlPr>
                                   <a:rPr lang="fr-FR" sz="1000" b="0" i="1" smtClean="0">
-                                    <a:latin typeface="Cambria Math"/>
+                                    <a:latin typeface="Cambria Math" panose="02040503050406030204" pitchFamily="18" charset="0"/>
                                   </a:rPr>
                                 </m:ctrlPr>
                               </m:accPr>
@@ -20915,7 +20867,7 @@
                           <m:dPr>
                             <m:ctrlPr>
                               <a:rPr lang="fr-FR" sz="1000" i="1" smtClean="0">
-                                <a:latin typeface="Cambria Math"/>
+                                <a:latin typeface="Cambria Math" panose="02040503050406030204" pitchFamily="18" charset="0"/>
                               </a:rPr>
                             </m:ctrlPr>
                           </m:dPr>
@@ -20937,7 +20889,7 @@
                                 <m:chr m:val="⃗"/>
                                 <m:ctrlPr>
                                   <a:rPr lang="fr-FR" sz="1000" b="0" i="1" smtClean="0">
-                                    <a:latin typeface="Cambria Math"/>
+                                    <a:latin typeface="Cambria Math" panose="02040503050406030204" pitchFamily="18" charset="0"/>
                                   </a:rPr>
                                 </m:ctrlPr>
                               </m:accPr>
@@ -23505,13 +23457,6 @@
   <p:clrMapOvr>
     <a:masterClrMapping/>
   </p:clrMapOvr>
-  <p:timing>
-    <p:tnLst>
-      <p:par>
-        <p:cTn id="1" dur="indefinite" restart="never" nodeType="tmRoot"/>
-      </p:par>
-    </p:tnLst>
-  </p:timing>
 </p:sld>
 </file>
 
@@ -23630,7 +23575,7 @@
                       <m:dPr>
                         <m:ctrlPr>
                           <a:rPr lang="fr-FR" b="0" i="1" smtClean="0">
-                            <a:latin typeface="Cambria Math"/>
+                            <a:latin typeface="Cambria Math" panose="02040503050406030204" pitchFamily="18" charset="0"/>
                           </a:rPr>
                         </m:ctrlPr>
                       </m:dPr>
@@ -23640,7 +23585,7 @@
                             <m:type m:val="lin"/>
                             <m:ctrlPr>
                               <a:rPr lang="fr-FR" b="0" i="1" smtClean="0">
-                                <a:latin typeface="Cambria Math"/>
+                                <a:latin typeface="Cambria Math" panose="02040503050406030204" pitchFamily="18" charset="0"/>
                               </a:rPr>
                             </m:ctrlPr>
                           </m:fPr>
@@ -23673,7 +23618,7 @@
                       <m:fPr>
                         <m:ctrlPr>
                           <a:rPr lang="fr-FR" b="0" i="1" smtClean="0">
-                            <a:latin typeface="Cambria Math"/>
+                            <a:latin typeface="Cambria Math" panose="02040503050406030204" pitchFamily="18" charset="0"/>
                           </a:rPr>
                         </m:ctrlPr>
                       </m:fPr>
@@ -23700,7 +23645,7 @@
                         <m:endChr m:val="}"/>
                         <m:ctrlPr>
                           <a:rPr lang="fr-FR" b="0" i="1" smtClean="0">
-                            <a:latin typeface="Cambria Math"/>
+                            <a:latin typeface="Cambria Math" panose="02040503050406030204" pitchFamily="18" charset="0"/>
                           </a:rPr>
                         </m:ctrlPr>
                       </m:dPr>
@@ -23717,7 +23662,7 @@
                             </m:mcs>
                             <m:ctrlPr>
                               <a:rPr lang="fr-FR" b="0" i="1" smtClean="0">
-                                <a:latin typeface="Cambria Math"/>
+                                <a:latin typeface="Cambria Math" panose="02040503050406030204" pitchFamily="18" charset="0"/>
                               </a:rPr>
                             </m:ctrlPr>
                           </m:mPr>
@@ -23727,7 +23672,7 @@
                                 <m:sSubPr>
                                   <m:ctrlPr>
                                     <a:rPr lang="fr-FR" b="0" i="1" smtClean="0">
-                                      <a:latin typeface="Cambria Math"/>
+                                      <a:latin typeface="Cambria Math" panose="02040503050406030204" pitchFamily="18" charset="0"/>
                                     </a:rPr>
                                   </m:ctrlPr>
                                 </m:sSubPr>
@@ -23759,7 +23704,7 @@
                                   <m:chr m:val="⃗"/>
                                   <m:ctrlPr>
                                     <a:rPr lang="fr-FR" b="0" i="1" smtClean="0">
-                                      <a:latin typeface="Cambria Math"/>
+                                      <a:latin typeface="Cambria Math" panose="02040503050406030204" pitchFamily="18" charset="0"/>
                                     </a:rPr>
                                   </m:ctrlPr>
                                 </m:accPr>
@@ -23777,7 +23722,7 @@
                                     <m:dPr>
                                       <m:ctrlPr>
                                         <a:rPr lang="fr-FR" i="1">
-                                          <a:latin typeface="Cambria Math"/>
+                                          <a:latin typeface="Cambria Math" panose="02040503050406030204" pitchFamily="18" charset="0"/>
                                         </a:rPr>
                                       </m:ctrlPr>
                                     </m:dPr>
@@ -23799,7 +23744,7 @@
                                           <m:type m:val="lin"/>
                                           <m:ctrlPr>
                                             <a:rPr lang="fr-FR" i="1">
-                                              <a:latin typeface="Cambria Math"/>
+                                              <a:latin typeface="Cambria Math" panose="02040503050406030204" pitchFamily="18" charset="0"/>
                                             </a:rPr>
                                           </m:ctrlPr>
                                         </m:fPr>
@@ -23833,7 +23778,7 @@
                                   <m:chr m:val="⃗"/>
                                   <m:ctrlPr>
                                     <a:rPr lang="fr-FR" i="1">
-                                      <a:latin typeface="Cambria Math"/>
+                                      <a:latin typeface="Cambria Math" panose="02040503050406030204" pitchFamily="18" charset="0"/>
                                     </a:rPr>
                                   </m:ctrlPr>
                                 </m:accPr>
@@ -23848,7 +23793,7 @@
                                     <m:dPr>
                                       <m:ctrlPr>
                                         <a:rPr lang="fr-FR" i="1">
-                                          <a:latin typeface="Cambria Math"/>
+                                          <a:latin typeface="Cambria Math" panose="02040503050406030204" pitchFamily="18" charset="0"/>
                                         </a:rPr>
                                       </m:ctrlPr>
                                     </m:dPr>
@@ -23870,7 +23815,7 @@
                                           <m:type m:val="lin"/>
                                           <m:ctrlPr>
                                             <a:rPr lang="fr-FR" i="1">
-                                              <a:latin typeface="Cambria Math"/>
+                                              <a:latin typeface="Cambria Math" panose="02040503050406030204" pitchFamily="18" charset="0"/>
                                             </a:rPr>
                                           </m:ctrlPr>
                                         </m:fPr>
@@ -23912,7 +23857,7 @@
                         <m:endChr m:val="}"/>
                         <m:ctrlPr>
                           <a:rPr lang="fr-FR" i="1">
-                            <a:latin typeface="Cambria Math"/>
+                            <a:latin typeface="Cambria Math" panose="02040503050406030204" pitchFamily="18" charset="0"/>
                           </a:rPr>
                         </m:ctrlPr>
                       </m:dPr>
@@ -23929,7 +23874,7 @@
                             </m:mcs>
                             <m:ctrlPr>
                               <a:rPr lang="fr-FR" i="1">
-                                <a:latin typeface="Cambria Math"/>
+                                <a:latin typeface="Cambria Math" panose="02040503050406030204" pitchFamily="18" charset="0"/>
                               </a:rPr>
                             </m:ctrlPr>
                           </m:mPr>
@@ -23940,7 +23885,7 @@
                                   <m:chr m:val="⃗"/>
                                   <m:ctrlPr>
                                     <a:rPr lang="fr-FR" i="1">
-                                      <a:latin typeface="Cambria Math"/>
+                                      <a:latin typeface="Cambria Math" panose="02040503050406030204" pitchFamily="18" charset="0"/>
                                     </a:rPr>
                                   </m:ctrlPr>
                                 </m:accPr>
@@ -23958,7 +23903,7 @@
                                     <m:dPr>
                                       <m:ctrlPr>
                                         <a:rPr lang="fr-FR" i="1">
-                                          <a:latin typeface="Cambria Math"/>
+                                          <a:latin typeface="Cambria Math" panose="02040503050406030204" pitchFamily="18" charset="0"/>
                                         </a:rPr>
                                       </m:ctrlPr>
                                     </m:dPr>
@@ -23968,7 +23913,7 @@
                                           <m:type m:val="lin"/>
                                           <m:ctrlPr>
                                             <a:rPr lang="fr-FR" i="1">
-                                              <a:latin typeface="Cambria Math"/>
+                                              <a:latin typeface="Cambria Math" panose="02040503050406030204" pitchFamily="18" charset="0"/>
                                             </a:rPr>
                                           </m:ctrlPr>
                                         </m:fPr>
@@ -24002,7 +23947,7 @@
                                   <m:chr m:val="⃗"/>
                                   <m:ctrlPr>
                                     <a:rPr lang="fr-FR" i="1">
-                                      <a:latin typeface="Cambria Math"/>
+                                      <a:latin typeface="Cambria Math" panose="02040503050406030204" pitchFamily="18" charset="0"/>
                                     </a:rPr>
                                   </m:ctrlPr>
                                 </m:accPr>
@@ -24020,7 +23965,7 @@
                                     <m:dPr>
                                       <m:ctrlPr>
                                         <a:rPr lang="fr-FR" i="1">
-                                          <a:latin typeface="Cambria Math"/>
+                                          <a:latin typeface="Cambria Math" panose="02040503050406030204" pitchFamily="18" charset="0"/>
                                         </a:rPr>
                                       </m:ctrlPr>
                                     </m:dPr>
@@ -24042,7 +23987,7 @@
                                           <m:type m:val="lin"/>
                                           <m:ctrlPr>
                                             <a:rPr lang="fr-FR" i="1">
-                                              <a:latin typeface="Cambria Math"/>
+                                              <a:latin typeface="Cambria Math" panose="02040503050406030204" pitchFamily="18" charset="0"/>
                                             </a:rPr>
                                           </m:ctrlPr>
                                         </m:fPr>
@@ -24088,7 +24033,7 @@
                       <m:sSubPr>
                         <m:ctrlPr>
                           <a:rPr lang="fr-FR" i="1">
-                            <a:latin typeface="Cambria Math"/>
+                            <a:latin typeface="Cambria Math" panose="02040503050406030204" pitchFamily="18" charset="0"/>
                           </a:rPr>
                         </m:ctrlPr>
                       </m:sSubPr>
@@ -24135,7 +24080,7 @@
                         <m:chr m:val="⃗"/>
                         <m:ctrlPr>
                           <a:rPr lang="fr-FR" i="1">
-                            <a:latin typeface="Cambria Math"/>
+                            <a:latin typeface="Cambria Math" panose="02040503050406030204" pitchFamily="18" charset="0"/>
                           </a:rPr>
                         </m:ctrlPr>
                       </m:accPr>
@@ -24150,7 +24095,7 @@
                           <m:dPr>
                             <m:ctrlPr>
                               <a:rPr lang="fr-FR" i="1">
-                                <a:latin typeface="Cambria Math"/>
+                                <a:latin typeface="Cambria Math" panose="02040503050406030204" pitchFamily="18" charset="0"/>
                               </a:rPr>
                             </m:ctrlPr>
                           </m:dPr>
@@ -24172,7 +24117,7 @@
                                 <m:type m:val="lin"/>
                                 <m:ctrlPr>
                                   <a:rPr lang="fr-FR" i="1">
-                                    <a:latin typeface="Cambria Math"/>
+                                    <a:latin typeface="Cambria Math" panose="02040503050406030204" pitchFamily="18" charset="0"/>
                                   </a:rPr>
                                 </m:ctrlPr>
                               </m:fPr>
@@ -24209,7 +24154,7 @@
                         <m:endChr m:val="]"/>
                         <m:ctrlPr>
                           <a:rPr lang="fr-FR" b="0" i="1" smtClean="0">
-                            <a:latin typeface="Cambria Math"/>
+                            <a:latin typeface="Cambria Math" panose="02040503050406030204" pitchFamily="18" charset="0"/>
                           </a:rPr>
                         </m:ctrlPr>
                       </m:dPr>
@@ -24226,7 +24171,7 @@
                             </m:mcs>
                             <m:ctrlPr>
                               <a:rPr lang="fr-FR" b="0" i="1" smtClean="0">
-                                <a:latin typeface="Cambria Math"/>
+                                <a:latin typeface="Cambria Math" panose="02040503050406030204" pitchFamily="18" charset="0"/>
                               </a:rPr>
                             </m:ctrlPr>
                           </m:mPr>
@@ -24355,7 +24300,7 @@
                         <m:chr m:val="⃗"/>
                         <m:ctrlPr>
                           <a:rPr lang="fr-FR" i="1">
-                            <a:latin typeface="Cambria Math"/>
+                            <a:latin typeface="Cambria Math" panose="02040503050406030204" pitchFamily="18" charset="0"/>
                           </a:rPr>
                         </m:ctrlPr>
                       </m:accPr>
@@ -24373,7 +24318,7 @@
                           <m:dPr>
                             <m:ctrlPr>
                               <a:rPr lang="fr-FR" i="1">
-                                <a:latin typeface="Cambria Math"/>
+                                <a:latin typeface="Cambria Math" panose="02040503050406030204" pitchFamily="18" charset="0"/>
                               </a:rPr>
                             </m:ctrlPr>
                           </m:dPr>
@@ -24383,7 +24328,7 @@
                                 <m:type m:val="lin"/>
                                 <m:ctrlPr>
                                   <a:rPr lang="fr-FR" i="1">
-                                    <a:latin typeface="Cambria Math"/>
+                                    <a:latin typeface="Cambria Math" panose="02040503050406030204" pitchFamily="18" charset="0"/>
                                   </a:rPr>
                                 </m:ctrlPr>
                               </m:fPr>
@@ -24424,7 +24369,7 @@
                       <m:sSubPr>
                         <m:ctrlPr>
                           <a:rPr lang="fr-FR" b="0" i="1" smtClean="0">
-                            <a:latin typeface="Cambria Math"/>
+                            <a:latin typeface="Cambria Math" panose="02040503050406030204" pitchFamily="18" charset="0"/>
                           </a:rPr>
                         </m:ctrlPr>
                       </m:sSubPr>
@@ -24493,7 +24438,7 @@
                         <m:chr m:val="⃗"/>
                         <m:ctrlPr>
                           <a:rPr lang="fr-FR" i="1" smtClean="0">
-                            <a:latin typeface="Cambria Math"/>
+                            <a:latin typeface="Cambria Math" panose="02040503050406030204" pitchFamily="18" charset="0"/>
                           </a:rPr>
                         </m:ctrlPr>
                       </m:accPr>
@@ -24522,7 +24467,7 @@
                         <m:chr m:val="⃗"/>
                         <m:ctrlPr>
                           <a:rPr lang="fr-FR" i="1">
-                            <a:latin typeface="Cambria Math"/>
+                            <a:latin typeface="Cambria Math" panose="02040503050406030204" pitchFamily="18" charset="0"/>
                           </a:rPr>
                         </m:ctrlPr>
                       </m:accPr>
@@ -24537,7 +24482,7 @@
                           <m:dPr>
                             <m:ctrlPr>
                               <a:rPr lang="fr-FR" i="1">
-                                <a:latin typeface="Cambria Math"/>
+                                <a:latin typeface="Cambria Math" panose="02040503050406030204" pitchFamily="18" charset="0"/>
                               </a:rPr>
                             </m:ctrlPr>
                           </m:dPr>
@@ -24546,7 +24491,7 @@
                               <m:sSubPr>
                                 <m:ctrlPr>
                                   <a:rPr lang="fr-FR" b="0" i="1" smtClean="0">
-                                    <a:latin typeface="Cambria Math"/>
+                                    <a:latin typeface="Cambria Math" panose="02040503050406030204" pitchFamily="18" charset="0"/>
                                   </a:rPr>
                                 </m:ctrlPr>
                               </m:sSubPr>
@@ -24578,7 +24523,7 @@
                                 <m:type m:val="lin"/>
                                 <m:ctrlPr>
                                   <a:rPr lang="fr-FR" i="1">
-                                    <a:latin typeface="Cambria Math"/>
+                                    <a:latin typeface="Cambria Math" panose="02040503050406030204" pitchFamily="18" charset="0"/>
                                   </a:rPr>
                                 </m:ctrlPr>
                               </m:fPr>
@@ -24587,7 +24532,7 @@
                                   <m:sSubPr>
                                     <m:ctrlPr>
                                       <a:rPr lang="fr-FR" b="0" i="1" smtClean="0">
-                                        <a:latin typeface="Cambria Math"/>
+                                        <a:latin typeface="Cambria Math" panose="02040503050406030204" pitchFamily="18" charset="0"/>
                                       </a:rPr>
                                     </m:ctrlPr>
                                   </m:sSubPr>
@@ -24632,7 +24577,7 @@
                       <m:sSubPr>
                         <m:ctrlPr>
                           <a:rPr lang="fr-FR" b="0" i="1" smtClean="0">
-                            <a:latin typeface="Cambria Math"/>
+                            <a:latin typeface="Cambria Math" panose="02040503050406030204" pitchFamily="18" charset="0"/>
                           </a:rPr>
                         </m:ctrlPr>
                       </m:sSubPr>
@@ -24657,7 +24602,7 @@
                       <m:sSubPr>
                         <m:ctrlPr>
                           <a:rPr lang="fr-FR" b="0" i="1" smtClean="0">
-                            <a:latin typeface="Cambria Math"/>
+                            <a:latin typeface="Cambria Math" panose="02040503050406030204" pitchFamily="18" charset="0"/>
                           </a:rPr>
                         </m:ctrlPr>
                       </m:sSubPr>
@@ -24675,7 +24620,7 @@
                             <m:type m:val="lin"/>
                             <m:ctrlPr>
                               <a:rPr lang="fr-FR" b="0" i="1" smtClean="0">
-                                <a:latin typeface="Cambria Math"/>
+                                <a:latin typeface="Cambria Math" panose="02040503050406030204" pitchFamily="18" charset="0"/>
                               </a:rPr>
                             </m:ctrlPr>
                           </m:fPr>
@@ -24703,7 +24648,7 @@
                         <m:chr m:val="⃗"/>
                         <m:ctrlPr>
                           <a:rPr lang="fr-FR" i="1">
-                            <a:latin typeface="Cambria Math"/>
+                            <a:latin typeface="Cambria Math" panose="02040503050406030204" pitchFamily="18" charset="0"/>
                           </a:rPr>
                         </m:ctrlPr>
                       </m:accPr>
@@ -24736,7 +24681,7 @@
                       <m:sSubPr>
                         <m:ctrlPr>
                           <a:rPr lang="fr-FR" b="0" i="1" smtClean="0">
-                            <a:latin typeface="Cambria Math"/>
+                            <a:latin typeface="Cambria Math" panose="02040503050406030204" pitchFamily="18" charset="0"/>
                           </a:rPr>
                         </m:ctrlPr>
                       </m:sSubPr>
@@ -24769,7 +24714,7 @@
                       <m:sSubPr>
                         <m:ctrlPr>
                           <a:rPr lang="fr-FR" i="1">
-                            <a:latin typeface="Cambria Math"/>
+                            <a:latin typeface="Cambria Math" panose="02040503050406030204" pitchFamily="18" charset="0"/>
                           </a:rPr>
                         </m:ctrlPr>
                       </m:sSubPr>
@@ -24800,7 +24745,7 @@
                       <m:fPr>
                         <m:ctrlPr>
                           <a:rPr lang="fr-FR" b="0" i="1" smtClean="0">
-                            <a:latin typeface="Cambria Math"/>
+                            <a:latin typeface="Cambria Math" panose="02040503050406030204" pitchFamily="18" charset="0"/>
                           </a:rPr>
                         </m:ctrlPr>
                       </m:fPr>
@@ -24825,7 +24770,7 @@
                       <m:sSubPr>
                         <m:ctrlPr>
                           <a:rPr lang="fr-FR" b="0" i="1" smtClean="0">
-                            <a:latin typeface="Cambria Math"/>
+                            <a:latin typeface="Cambria Math" panose="02040503050406030204" pitchFamily="18" charset="0"/>
                           </a:rPr>
                         </m:ctrlPr>
                       </m:sSubPr>
@@ -24850,7 +24795,7 @@
                       <m:sSubSupPr>
                         <m:ctrlPr>
                           <a:rPr lang="fr-FR" b="0" i="1" smtClean="0">
-                            <a:latin typeface="Cambria Math"/>
+                            <a:latin typeface="Cambria Math" panose="02040503050406030204" pitchFamily="18" charset="0"/>
                           </a:rPr>
                         </m:ctrlPr>
                       </m:sSubSupPr>
@@ -24899,7 +24844,7 @@
                         <m:chr m:val="⃗"/>
                         <m:ctrlPr>
                           <a:rPr lang="fr-FR" i="1">
-                            <a:latin typeface="Cambria Math"/>
+                            <a:latin typeface="Cambria Math" panose="02040503050406030204" pitchFamily="18" charset="0"/>
                           </a:rPr>
                         </m:ctrlPr>
                       </m:accPr>
@@ -24917,7 +24862,7 @@
                           <m:dPr>
                             <m:ctrlPr>
                               <a:rPr lang="fr-FR" i="1">
-                                <a:latin typeface="Cambria Math"/>
+                                <a:latin typeface="Cambria Math" panose="02040503050406030204" pitchFamily="18" charset="0"/>
                               </a:rPr>
                             </m:ctrlPr>
                           </m:dPr>
@@ -24939,7 +24884,7 @@
                                 <m:type m:val="lin"/>
                                 <m:ctrlPr>
                                   <a:rPr lang="fr-FR" i="1">
-                                    <a:latin typeface="Cambria Math"/>
+                                    <a:latin typeface="Cambria Math" panose="02040503050406030204" pitchFamily="18" charset="0"/>
                                   </a:rPr>
                                 </m:ctrlPr>
                               </m:fPr>
@@ -24992,7 +24937,7 @@
                       <m:dPr>
                         <m:ctrlPr>
                           <a:rPr lang="fr-FR" i="1">
-                            <a:latin typeface="Cambria Math"/>
+                            <a:latin typeface="Cambria Math" panose="02040503050406030204" pitchFamily="18" charset="0"/>
                           </a:rPr>
                         </m:ctrlPr>
                       </m:dPr>
@@ -25002,7 +24947,7 @@
                             <m:type m:val="lin"/>
                             <m:ctrlPr>
                               <a:rPr lang="fr-FR" i="1">
-                                <a:latin typeface="Cambria Math"/>
+                                <a:latin typeface="Cambria Math" panose="02040503050406030204" pitchFamily="18" charset="0"/>
                               </a:rPr>
                             </m:ctrlPr>
                           </m:fPr>
@@ -25011,7 +24956,7 @@
                               <m:sSubPr>
                                 <m:ctrlPr>
                                   <a:rPr lang="fr-FR" b="0" i="1" smtClean="0">
-                                    <a:latin typeface="Cambria Math"/>
+                                    <a:latin typeface="Cambria Math" panose="02040503050406030204" pitchFamily="18" charset="0"/>
                                   </a:rPr>
                                 </m:ctrlPr>
                               </m:sSubPr>
@@ -25054,7 +24999,7 @@
                       <m:fPr>
                         <m:ctrlPr>
                           <a:rPr lang="fr-FR" b="0" i="1" smtClean="0">
-                            <a:latin typeface="Cambria Math"/>
+                            <a:latin typeface="Cambria Math" panose="02040503050406030204" pitchFamily="18" charset="0"/>
                           </a:rPr>
                         </m:ctrlPr>
                       </m:fPr>
@@ -25079,7 +25024,7 @@
                       <m:dPr>
                         <m:ctrlPr>
                           <a:rPr lang="fr-FR" b="0" i="1" smtClean="0">
-                            <a:latin typeface="Cambria Math"/>
+                            <a:latin typeface="Cambria Math" panose="02040503050406030204" pitchFamily="18" charset="0"/>
                           </a:rPr>
                         </m:ctrlPr>
                       </m:dPr>
@@ -25088,7 +25033,7 @@
                           <m:sSubPr>
                             <m:ctrlPr>
                               <a:rPr lang="fr-FR" b="0" i="1" smtClean="0">
-                                <a:latin typeface="Cambria Math"/>
+                                <a:latin typeface="Cambria Math" panose="02040503050406030204" pitchFamily="18" charset="0"/>
                               </a:rPr>
                             </m:ctrlPr>
                           </m:sSubPr>
@@ -25113,7 +25058,7 @@
                           <m:sSubSupPr>
                             <m:ctrlPr>
                               <a:rPr lang="fr-FR" b="0" i="1" smtClean="0">
-                                <a:latin typeface="Cambria Math"/>
+                                <a:latin typeface="Cambria Math" panose="02040503050406030204" pitchFamily="18" charset="0"/>
                               </a:rPr>
                             </m:ctrlPr>
                           </m:sSubSupPr>
@@ -25131,7 +25076,7 @@
                                 <m:type m:val="lin"/>
                                 <m:ctrlPr>
                                   <a:rPr lang="fr-FR" i="1">
-                                    <a:latin typeface="Cambria Math"/>
+                                    <a:latin typeface="Cambria Math" panose="02040503050406030204" pitchFamily="18" charset="0"/>
                                   </a:rPr>
                                 </m:ctrlPr>
                               </m:fPr>
@@ -25172,7 +25117,7 @@
                           <m:sSubPr>
                             <m:ctrlPr>
                               <a:rPr lang="fr-FR" b="1" i="1" smtClean="0">
-                                <a:latin typeface="Cambria Math"/>
+                                <a:latin typeface="Cambria Math" panose="02040503050406030204" pitchFamily="18" charset="0"/>
                               </a:rPr>
                             </m:ctrlPr>
                           </m:sSubPr>
@@ -25189,7 +25134,7 @@
                               <m:sSubPr>
                                 <m:ctrlPr>
                                   <a:rPr lang="fr-FR" b="1" i="1" smtClean="0">
-                                    <a:latin typeface="Cambria Math"/>
+                                    <a:latin typeface="Cambria Math" panose="02040503050406030204" pitchFamily="18" charset="0"/>
                                   </a:rPr>
                                 </m:ctrlPr>
                               </m:sSubPr>
@@ -25216,7 +25161,7 @@
                           <m:sSupPr>
                             <m:ctrlPr>
                               <a:rPr lang="fr-FR" b="1" i="1" smtClean="0">
-                                <a:latin typeface="Cambria Math"/>
+                                <a:latin typeface="Cambria Math" panose="02040503050406030204" pitchFamily="18" charset="0"/>
                               </a:rPr>
                             </m:ctrlPr>
                           </m:sSupPr>
@@ -25227,7 +25172,7 @@
                                 <m:endChr m:val="‖"/>
                                 <m:ctrlPr>
                                   <a:rPr lang="fr-FR" b="1" i="1" smtClean="0">
-                                    <a:latin typeface="Cambria Math"/>
+                                    <a:latin typeface="Cambria Math" panose="02040503050406030204" pitchFamily="18" charset="0"/>
                                   </a:rPr>
                                 </m:ctrlPr>
                               </m:dPr>
@@ -25237,7 +25182,7 @@
                                     <m:chr m:val="⃗"/>
                                     <m:ctrlPr>
                                       <a:rPr lang="fr-FR" b="1" i="1">
-                                        <a:latin typeface="Cambria Math"/>
+                                        <a:latin typeface="Cambria Math" panose="02040503050406030204" pitchFamily="18" charset="0"/>
                                       </a:rPr>
                                     </m:ctrlPr>
                                   </m:accPr>
@@ -25255,7 +25200,7 @@
                                       <m:dPr>
                                         <m:ctrlPr>
                                           <a:rPr lang="fr-FR" b="1" i="1">
-                                            <a:latin typeface="Cambria Math"/>
+                                            <a:latin typeface="Cambria Math" panose="02040503050406030204" pitchFamily="18" charset="0"/>
                                           </a:rPr>
                                         </m:ctrlPr>
                                       </m:dPr>
@@ -25277,7 +25222,7 @@
                                             <m:type m:val="lin"/>
                                             <m:ctrlPr>
                                               <a:rPr lang="fr-FR" b="1" i="1">
-                                                <a:latin typeface="Cambria Math"/>
+                                                <a:latin typeface="Cambria Math" panose="02040503050406030204" pitchFamily="18" charset="0"/>
                                               </a:rPr>
                                             </m:ctrlPr>
                                           </m:fPr>
@@ -25975,7 +25920,7 @@
                           <m:dPr>
                             <m:ctrlPr>
                               <a:rPr lang="fr-FR" sz="1000" i="1" smtClean="0">
-                                <a:latin typeface="Cambria Math"/>
+                                <a:latin typeface="Cambria Math" panose="02040503050406030204" pitchFamily="18" charset="0"/>
                               </a:rPr>
                             </m:ctrlPr>
                           </m:dPr>
@@ -25997,7 +25942,7 @@
                                 <m:chr m:val="⃗"/>
                                 <m:ctrlPr>
                                   <a:rPr lang="fr-FR" sz="1000" b="0" i="1" smtClean="0">
-                                    <a:latin typeface="Cambria Math"/>
+                                    <a:latin typeface="Cambria Math" panose="02040503050406030204" pitchFamily="18" charset="0"/>
                                   </a:rPr>
                                 </m:ctrlPr>
                               </m:accPr>
@@ -26101,7 +26046,7 @@
                           <m:dPr>
                             <m:ctrlPr>
                               <a:rPr lang="fr-FR" sz="1000" i="1" smtClean="0">
-                                <a:latin typeface="Cambria Math"/>
+                                <a:latin typeface="Cambria Math" panose="02040503050406030204" pitchFamily="18" charset="0"/>
                               </a:rPr>
                             </m:ctrlPr>
                           </m:dPr>
@@ -26123,7 +26068,7 @@
                                 <m:chr m:val="⃗"/>
                                 <m:ctrlPr>
                                   <a:rPr lang="fr-FR" sz="1000" b="0" i="1" smtClean="0">
-                                    <a:latin typeface="Cambria Math"/>
+                                    <a:latin typeface="Cambria Math" panose="02040503050406030204" pitchFamily="18" charset="0"/>
                                   </a:rPr>
                                 </m:ctrlPr>
                               </m:accPr>
@@ -26227,7 +26172,7 @@
                           <m:dPr>
                             <m:ctrlPr>
                               <a:rPr lang="fr-FR" sz="1000" i="1" smtClean="0">
-                                <a:latin typeface="Cambria Math"/>
+                                <a:latin typeface="Cambria Math" panose="02040503050406030204" pitchFamily="18" charset="0"/>
                               </a:rPr>
                             </m:ctrlPr>
                           </m:dPr>
@@ -26249,7 +26194,7 @@
                                 <m:chr m:val="⃗"/>
                                 <m:ctrlPr>
                                   <a:rPr lang="fr-FR" sz="1000" b="0" i="1" smtClean="0">
-                                    <a:latin typeface="Cambria Math"/>
+                                    <a:latin typeface="Cambria Math" panose="02040503050406030204" pitchFamily="18" charset="0"/>
                                   </a:rPr>
                                 </m:ctrlPr>
                               </m:accPr>
@@ -26353,7 +26298,7 @@
                           <m:dPr>
                             <m:ctrlPr>
                               <a:rPr lang="fr-FR" sz="1000" i="1" smtClean="0">
-                                <a:latin typeface="Cambria Math"/>
+                                <a:latin typeface="Cambria Math" panose="02040503050406030204" pitchFamily="18" charset="0"/>
                               </a:rPr>
                             </m:ctrlPr>
                           </m:dPr>
@@ -26375,7 +26320,7 @@
                                 <m:chr m:val="⃗"/>
                                 <m:ctrlPr>
                                   <a:rPr lang="fr-FR" sz="1000" b="0" i="1" smtClean="0">
-                                    <a:latin typeface="Cambria Math"/>
+                                    <a:latin typeface="Cambria Math" panose="02040503050406030204" pitchFamily="18" charset="0"/>
                                   </a:rPr>
                                 </m:ctrlPr>
                               </m:accPr>
@@ -26479,7 +26424,7 @@
                           <m:dPr>
                             <m:ctrlPr>
                               <a:rPr lang="fr-FR" sz="1000" i="1" smtClean="0">
-                                <a:latin typeface="Cambria Math"/>
+                                <a:latin typeface="Cambria Math" panose="02040503050406030204" pitchFamily="18" charset="0"/>
                               </a:rPr>
                             </m:ctrlPr>
                           </m:dPr>
@@ -26501,7 +26446,7 @@
                                 <m:chr m:val="⃗"/>
                                 <m:ctrlPr>
                                   <a:rPr lang="fr-FR" sz="1000" b="0" i="1" smtClean="0">
-                                    <a:latin typeface="Cambria Math"/>
+                                    <a:latin typeface="Cambria Math" panose="02040503050406030204" pitchFamily="18" charset="0"/>
                                   </a:rPr>
                                 </m:ctrlPr>
                               </m:accPr>
@@ -26864,13 +26809,6 @@
   <p:clrMapOvr>
     <a:masterClrMapping/>
   </p:clrMapOvr>
-  <p:timing>
-    <p:tnLst>
-      <p:par>
-        <p:cTn id="1" dur="indefinite" restart="never" nodeType="tmRoot"/>
-      </p:par>
-    </p:tnLst>
-  </p:timing>
 </p:sld>
 </file>
 
@@ -27005,7 +26943,7 @@
                             <a:solidFill>
                               <a:srgbClr val="FF0000"/>
                             </a:solidFill>
-                            <a:latin typeface="Cambria Math"/>
+                            <a:latin typeface="Cambria Math" panose="02040503050406030204" pitchFamily="18" charset="0"/>
                           </a:rPr>
                         </m:ctrlPr>
                       </m:sSubPr>
@@ -27093,7 +27031,7 @@
                             <a:solidFill>
                               <a:srgbClr val="FF0000"/>
                             </a:solidFill>
-                            <a:latin typeface="Cambria Math"/>
+                            <a:latin typeface="Cambria Math" panose="02040503050406030204" pitchFamily="18" charset="0"/>
                           </a:rPr>
                         </m:ctrlPr>
                       </m:sSupPr>
@@ -27154,7 +27092,7 @@
                             <a:solidFill>
                               <a:srgbClr val="FF0000"/>
                             </a:solidFill>
-                            <a:latin typeface="Cambria Math"/>
+                            <a:latin typeface="Cambria Math" panose="02040503050406030204" pitchFamily="18" charset="0"/>
                           </a:rPr>
                         </m:ctrlPr>
                       </m:sSupPr>
@@ -27303,13 +27241,6 @@
   <p:clrMapOvr>
     <a:masterClrMapping/>
   </p:clrMapOvr>
-  <p:timing>
-    <p:tnLst>
-      <p:par>
-        <p:cTn id="1" dur="indefinite" restart="never" nodeType="tmRoot"/>
-      </p:par>
-    </p:tnLst>
-  </p:timing>
 </p:sld>
 </file>
 
@@ -27427,7 +27358,7 @@
                       <m:sSubPr>
                         <m:ctrlPr>
                           <a:rPr lang="fr-FR" b="0" i="1" smtClean="0">
-                            <a:latin typeface="Cambria Math"/>
+                            <a:latin typeface="Cambria Math" panose="02040503050406030204" pitchFamily="18" charset="0"/>
                           </a:rPr>
                         </m:ctrlPr>
                       </m:sSubPr>
@@ -27487,23 +27418,7 @@
                       <a:srgbClr val="FF0000"/>
                     </a:solidFill>
                   </a:rPr>
-                  <a:t>Discussion possible : doit-on mesure le </a:t>
-                </a:r>
-                <a:r>
-                  <a:rPr lang="fr-FR" dirty="0" err="1">
-                    <a:solidFill>
-                      <a:srgbClr val="FF0000"/>
-                    </a:solidFill>
-                  </a:rPr>
-                  <a:t>Cf</a:t>
-                </a:r>
-                <a:r>
-                  <a:rPr lang="fr-FR" dirty="0">
-                    <a:solidFill>
-                      <a:srgbClr val="FF0000"/>
-                    </a:solidFill>
-                  </a:rPr>
-                  <a:t> moteur branché ou débranché… </a:t>
+                  <a:t>Discussion possible : doit-on mesurer le Cf moteur branché ou débranché… </a:t>
                 </a:r>
               </a:p>
               <a:p>
@@ -27541,11 +27456,7 @@
                 <a:pPr lvl="2"/>
                 <a:r>
                   <a:rPr lang="fr-FR" dirty="0"/>
-                  <a:t>La puissance développée par les frottements n’a « rien à faire » dans les </a:t>
-                </a:r>
-                <a:r>
-                  <a:rPr lang="fr-FR" dirty="0" smtClean="0"/>
-                  <a:t>rendements.</a:t>
+                  <a:t>La puissance développée par les frottements n’a « rien à faire » dans les rendements.</a:t>
                 </a:r>
               </a:p>
               <a:p>
@@ -27571,10 +27482,10 @@
                 <a:off x="457200" y="1219200"/>
                 <a:ext cx="6851104" cy="4937760"/>
               </a:xfrm>
-              <a:blipFill rotWithShape="1">
+              <a:blipFill>
                 <a:blip r:embed="rId2"/>
                 <a:stretch>
-                  <a:fillRect l="-534" t="-1728" r="-1423"/>
+                  <a:fillRect l="-623" t="-1728" r="-1423"/>
                 </a:stretch>
               </a:blipFill>
             </p:spPr>
@@ -27627,13 +27538,6 @@
   <p:clrMapOvr>
     <a:masterClrMapping/>
   </p:clrMapOvr>
-  <p:timing>
-    <p:tnLst>
-      <p:par>
-        <p:cTn id="1" dur="indefinite" restart="never" nodeType="tmRoot"/>
-      </p:par>
-    </p:tnLst>
-  </p:timing>
 </p:sld>
 </file>
 
@@ -27771,14 +27675,14 @@
           <p:nvPr>
             <p:extLst>
               <p:ext uri="{D42A27DB-BD31-4B8C-83A1-F6EECF244321}">
-                <p14:modId xmlns:p14="http://schemas.microsoft.com/office/powerpoint/2010/main" val="3540801671"/>
+                <p14:modId xmlns:p14="http://schemas.microsoft.com/office/powerpoint/2010/main" val="1553951803"/>
               </p:ext>
             </p:extLst>
           </p:nvPr>
         </p:nvGraphicFramePr>
         <p:xfrm>
-          <a:off x="4067944" y="3789040"/>
-          <a:ext cx="4572000" cy="2743200"/>
+          <a:off x="1187624" y="3429000"/>
+          <a:ext cx="6048672" cy="3103240"/>
         </p:xfrm>
         <a:graphic>
           <a:graphicData uri="http://schemas.openxmlformats.org/drawingml/2006/chart">
@@ -27796,13 +27700,6 @@
   <p:clrMapOvr>
     <a:masterClrMapping/>
   </p:clrMapOvr>
-  <p:timing>
-    <p:tnLst>
-      <p:par>
-        <p:cTn id="1" dur="indefinite" restart="never" nodeType="tmRoot"/>
-      </p:par>
-    </p:tnLst>
-  </p:timing>
 </p:sld>
 </file>
 

--- a/TP/01_Induction_NAO/Cy_05_Ene_TP_Energetique.pptx
+++ b/TP/01_Induction_NAO/Cy_05_Ene_TP_Energetique.pptx
@@ -272,6 +272,7 @@
               </a:p>
             </c:rich>
           </c:tx>
+          <c:layout/>
           <c:overlay val="0"/>
         </c:title>
         <c:numFmt formatCode="General" sourceLinked="1"/>
@@ -306,6 +307,7 @@
               </a:p>
             </c:rich>
           </c:tx>
+          <c:layout/>
           <c:overlay val="0"/>
         </c:title>
         <c:numFmt formatCode="General" sourceLinked="1"/>
@@ -448,6 +450,7 @@
               </a:p>
             </c:rich>
           </c:tx>
+          <c:layout/>
           <c:overlay val="0"/>
         </c:title>
         <c:numFmt formatCode="General" sourceLinked="1"/>
@@ -482,6 +485,7 @@
               </a:p>
             </c:rich>
           </c:tx>
+          <c:layout/>
           <c:overlay val="0"/>
         </c:title>
         <c:numFmt formatCode="General" sourceLinked="1"/>
@@ -586,7 +590,7 @@
             <a:fld id="{E494A05E-DEA9-4CEA-A63B-3593EEF3AC45}" type="datetimeFigureOut">
               <a:rPr lang="fr-FR" smtClean="0"/>
               <a:pPr/>
-              <a:t>18/01/2019</a:t>
+              <a:t>02/03/2021</a:t>
             </a:fld>
             <a:endParaRPr lang="fr-FR"/>
           </a:p>
@@ -1086,7 +1090,7 @@
             <a:fld id="{3A961F90-11F6-4966-B0E5-2BB20F714B78}" type="datetime1">
               <a:rPr lang="fr-FR" smtClean="0"/>
               <a:pPr/>
-              <a:t>18/01/2019</a:t>
+              <a:t>02/03/2021</a:t>
             </a:fld>
             <a:endParaRPr lang="fr-FR"/>
           </a:p>
@@ -1447,7 +1451,7 @@
             <a:fld id="{59700BD1-A4B5-444B-B773-B4FDD97DF200}" type="datetime1">
               <a:rPr lang="fr-FR" smtClean="0"/>
               <a:pPr/>
-              <a:t>18/01/2019</a:t>
+              <a:t>02/03/2021</a:t>
             </a:fld>
             <a:endParaRPr lang="fr-FR"/>
           </a:p>
@@ -1624,7 +1628,7 @@
             <a:fld id="{A354AF49-C35E-40F6-8345-CA866716EE79}" type="datetime1">
               <a:rPr lang="fr-FR" smtClean="0"/>
               <a:pPr/>
-              <a:t>18/01/2019</a:t>
+              <a:t>02/03/2021</a:t>
             </a:fld>
             <a:endParaRPr lang="fr-FR"/>
           </a:p>
@@ -1861,7 +1865,7 @@
             <a:fld id="{EAFEF7E1-4A71-4560-AA4D-33BBAAF32357}" type="datetime1">
               <a:rPr lang="fr-FR" smtClean="0"/>
               <a:pPr/>
-              <a:t>18/01/2019</a:t>
+              <a:t>02/03/2021</a:t>
             </a:fld>
             <a:endParaRPr lang="fr-FR"/>
           </a:p>
@@ -2132,7 +2136,7 @@
             <a:fld id="{9BE6CECE-C4BA-493A-9F45-8F69D8200EC9}" type="datetime1">
               <a:rPr lang="fr-FR" smtClean="0"/>
               <a:pPr/>
-              <a:t>18/01/2019</a:t>
+              <a:t>02/03/2021</a:t>
             </a:fld>
             <a:endParaRPr lang="fr-FR"/>
           </a:p>
@@ -2354,7 +2358,7 @@
             <a:fld id="{6B400324-51BB-4021-B482-6C084AB66459}" type="datetime1">
               <a:rPr lang="fr-FR" smtClean="0"/>
               <a:pPr/>
-              <a:t>18/01/2019</a:t>
+              <a:t>02/03/2021</a:t>
             </a:fld>
             <a:endParaRPr lang="fr-FR"/>
           </a:p>
@@ -2708,7 +2712,7 @@
             <a:fld id="{87C4A39B-E1E0-4B19-A965-1E1097FB3AF3}" type="datetime1">
               <a:rPr lang="fr-FR" smtClean="0"/>
               <a:pPr/>
-              <a:t>18/01/2019</a:t>
+              <a:t>02/03/2021</a:t>
             </a:fld>
             <a:endParaRPr lang="fr-FR"/>
           </a:p>
@@ -2942,7 +2946,7 @@
             <a:fld id="{CEF5A761-699F-4B94-BA43-1E8C0C9C554B}" type="datetime1">
               <a:rPr lang="fr-FR" smtClean="0"/>
               <a:pPr/>
-              <a:t>18/01/2019</a:t>
+              <a:t>02/03/2021</a:t>
             </a:fld>
             <a:endParaRPr lang="fr-FR"/>
           </a:p>
@@ -3084,7 +3088,7 @@
             <a:fld id="{E407DE65-0759-4C9C-9804-8C4C0AC5F8D7}" type="datetime1">
               <a:rPr lang="fr-FR" smtClean="0"/>
               <a:pPr/>
-              <a:t>18/01/2019</a:t>
+              <a:t>02/03/2021</a:t>
             </a:fld>
             <a:endParaRPr lang="fr-FR"/>
           </a:p>
@@ -3363,7 +3367,7 @@
             <a:fld id="{6DCAF433-E5EB-4B74-B8BB-3F6D9EEAE800}" type="datetime1">
               <a:rPr lang="fr-FR" smtClean="0"/>
               <a:pPr/>
-              <a:t>18/01/2019</a:t>
+              <a:t>02/03/2021</a:t>
             </a:fld>
             <a:endParaRPr lang="fr-FR"/>
           </a:p>
@@ -3772,7 +3776,7 @@
             <a:fld id="{E5AEAC06-18E9-471A-B77A-CDA5C363BF1F}" type="datetime1">
               <a:rPr lang="fr-FR" smtClean="0"/>
               <a:pPr/>
-              <a:t>18/01/2019</a:t>
+              <a:t>02/03/2021</a:t>
             </a:fld>
             <a:endParaRPr lang="fr-FR"/>
           </a:p>
@@ -4112,7 +4116,7 @@
             <a:fld id="{B9178431-C703-4FD6-9F6F-E8F5512852E2}" type="datetime1">
               <a:rPr lang="fr-FR" smtClean="0"/>
               <a:pPr/>
-              <a:t>18/01/2019</a:t>
+              <a:t>02/03/2021</a:t>
             </a:fld>
             <a:endParaRPr lang="fr-FR"/>
           </a:p>
@@ -7008,7 +7012,7 @@
         <p:spPr>
           <a:xfrm>
             <a:off x="1739089" y="40381"/>
-            <a:ext cx="7165045" cy="1200329"/>
+            <a:ext cx="7165045" cy="830997"/>
           </a:xfrm>
           <a:prstGeom prst="rect">
             <a:avLst/>
@@ -7022,14 +7026,15 @@
           <a:p>
             <a:r>
               <a:rPr lang="fr-FR" sz="2400" dirty="0"/>
-              <a:t>Objectif : </a:t>
+              <a:t>Objectif </a:t>
             </a:r>
-          </a:p>
-          <a:p>
-            <a:pPr lvl="1"/>
+            <a:r>
+              <a:rPr lang="fr-FR" sz="2400" dirty="0" smtClean="0"/>
+              <a:t>: Caractériser </a:t>
+            </a:r>
             <a:r>
               <a:rPr lang="fr-FR" sz="2400" dirty="0"/>
-              <a:t>Caractériser le nombre de squats que peut faire le robot NAO avec une batterie chargée.</a:t>
+              <a:t>le nombre de squats que peut faire le robot NAO avec une batterie chargée.</a:t>
             </a:r>
           </a:p>
         </p:txBody>
@@ -8582,7 +8587,7 @@
 </file>
 
 <file path=ppt/slides/slide2.xml><?xml version="1.0" encoding="utf-8"?>
-<p:sld xmlns:a="http://schemas.openxmlformats.org/drawingml/2006/main" xmlns:r="http://schemas.openxmlformats.org/officeDocument/2006/relationships" xmlns:p="http://schemas.openxmlformats.org/presentationml/2006/main">
+<p:sld xmlns:a="http://schemas.openxmlformats.org/drawingml/2006/main" xmlns:r="http://schemas.openxmlformats.org/officeDocument/2006/relationships" xmlns:p="http://schemas.openxmlformats.org/presentationml/2006/main" show="0">
   <p:cSld>
     <p:spTree>
       <p:nvGrpSpPr>
@@ -14312,11 +14317,19 @@
   <p:clrMapOvr>
     <a:masterClrMapping/>
   </p:clrMapOvr>
+  <mc:AlternateContent xmlns:mc="http://schemas.openxmlformats.org/markup-compatibility/2006">
+    <mc:Choice xmlns:p14="http://schemas.microsoft.com/office/powerpoint/2010/main" Requires="p14">
+      <p:transition spd="slow" p14:dur="2000"/>
+    </mc:Choice>
+    <mc:Fallback>
+      <p:transition spd="slow"/>
+    </mc:Fallback>
+  </mc:AlternateContent>
 </p:sld>
 </file>
 
 <file path=ppt/slides/slide3.xml><?xml version="1.0" encoding="utf-8"?>
-<p:sld xmlns:a="http://schemas.openxmlformats.org/drawingml/2006/main" xmlns:r="http://schemas.openxmlformats.org/officeDocument/2006/relationships" xmlns:p="http://schemas.openxmlformats.org/presentationml/2006/main">
+<p:sld xmlns:a="http://schemas.openxmlformats.org/drawingml/2006/main" xmlns:r="http://schemas.openxmlformats.org/officeDocument/2006/relationships" xmlns:p="http://schemas.openxmlformats.org/presentationml/2006/main" show="0">
   <p:cSld>
     <p:spTree>
       <p:nvGrpSpPr>
@@ -19736,11 +19749,19 @@
   <p:clrMapOvr>
     <a:masterClrMapping/>
   </p:clrMapOvr>
+  <mc:AlternateContent xmlns:mc="http://schemas.openxmlformats.org/markup-compatibility/2006">
+    <mc:Choice xmlns:p14="http://schemas.microsoft.com/office/powerpoint/2010/main" Requires="p14">
+      <p:transition spd="slow" p14:dur="2000"/>
+    </mc:Choice>
+    <mc:Fallback>
+      <p:transition spd="slow"/>
+    </mc:Fallback>
+  </mc:AlternateContent>
 </p:sld>
 </file>
 
 <file path=ppt/slides/slide4.xml><?xml version="1.0" encoding="utf-8"?>
-<p:sld xmlns:a="http://schemas.openxmlformats.org/drawingml/2006/main" xmlns:r="http://schemas.openxmlformats.org/officeDocument/2006/relationships" xmlns:p="http://schemas.openxmlformats.org/presentationml/2006/main">
+<p:sld xmlns:a="http://schemas.openxmlformats.org/drawingml/2006/main" xmlns:r="http://schemas.openxmlformats.org/officeDocument/2006/relationships" xmlns:p="http://schemas.openxmlformats.org/presentationml/2006/main" show="0">
   <p:cSld>
     <p:spTree>
       <p:nvGrpSpPr>
@@ -23297,6 +23318,14 @@
   <p:clrMapOvr>
     <a:masterClrMapping/>
   </p:clrMapOvr>
+  <mc:AlternateContent xmlns:mc="http://schemas.openxmlformats.org/markup-compatibility/2006">
+    <mc:Choice xmlns:p14="http://schemas.microsoft.com/office/powerpoint/2010/main" Requires="p14">
+      <p:transition spd="slow" p14:dur="2000"/>
+    </mc:Choice>
+    <mc:Fallback>
+      <p:transition spd="slow"/>
+    </mc:Fallback>
+  </mc:AlternateContent>
 </p:sld>
 </file>
 

--- a/TP/01_Induction_NAO/Cy_05_Ene_TP_Energetique.pptx
+++ b/TP/01_Induction_NAO/Cy_05_Ene_TP_Energetique.pptx
@@ -14317,11 +14317,11 @@
   <p:clrMapOvr>
     <a:masterClrMapping/>
   </p:clrMapOvr>
-  <mc:AlternateContent xmlns:mc="http://schemas.openxmlformats.org/markup-compatibility/2006">
-    <mc:Choice xmlns:p14="http://schemas.microsoft.com/office/powerpoint/2010/main" Requires="p14">
+  <mc:AlternateContent xmlns:mc="http://schemas.openxmlformats.org/markup-compatibility/2006" xmlns:p14="http://schemas.microsoft.com/office/powerpoint/2010/main">
+    <mc:Choice Requires="p14">
       <p:transition spd="slow" p14:dur="2000"/>
     </mc:Choice>
-    <mc:Fallback>
+    <mc:Fallback xmlns="">
       <p:transition spd="slow"/>
     </mc:Fallback>
   </mc:AlternateContent>
@@ -19749,11 +19749,11 @@
   <p:clrMapOvr>
     <a:masterClrMapping/>
   </p:clrMapOvr>
-  <mc:AlternateContent xmlns:mc="http://schemas.openxmlformats.org/markup-compatibility/2006">
-    <mc:Choice xmlns:p14="http://schemas.microsoft.com/office/powerpoint/2010/main" Requires="p14">
+  <mc:AlternateContent xmlns:mc="http://schemas.openxmlformats.org/markup-compatibility/2006" xmlns:p14="http://schemas.microsoft.com/office/powerpoint/2010/main">
+    <mc:Choice Requires="p14">
       <p:transition spd="slow" p14:dur="2000"/>
     </mc:Choice>
-    <mc:Fallback>
+    <mc:Fallback xmlns="">
       <p:transition spd="slow"/>
     </mc:Fallback>
   </mc:AlternateContent>
@@ -23318,11 +23318,11 @@
   <p:clrMapOvr>
     <a:masterClrMapping/>
   </p:clrMapOvr>
-  <mc:AlternateContent xmlns:mc="http://schemas.openxmlformats.org/markup-compatibility/2006">
-    <mc:Choice xmlns:p14="http://schemas.microsoft.com/office/powerpoint/2010/main" Requires="p14">
+  <mc:AlternateContent xmlns:mc="http://schemas.openxmlformats.org/markup-compatibility/2006" xmlns:p14="http://schemas.microsoft.com/office/powerpoint/2010/main">
+    <mc:Choice Requires="p14">
       <p:transition spd="slow" p14:dur="2000"/>
     </mc:Choice>
-    <mc:Fallback>
+    <mc:Fallback xmlns="">
       <p:transition spd="slow"/>
     </mc:Fallback>
   </mc:AlternateContent>
@@ -27704,14 +27704,14 @@
           <p:nvPr>
             <p:extLst>
               <p:ext uri="{D42A27DB-BD31-4B8C-83A1-F6EECF244321}">
-                <p14:modId xmlns:p14="http://schemas.microsoft.com/office/powerpoint/2010/main" val="1553951803"/>
+                <p14:modId xmlns:p14="http://schemas.microsoft.com/office/powerpoint/2010/main" val="2591956754"/>
               </p:ext>
             </p:extLst>
           </p:nvPr>
         </p:nvGraphicFramePr>
         <p:xfrm>
-          <a:off x="1187624" y="3429000"/>
-          <a:ext cx="6048672" cy="3103240"/>
+          <a:off x="107504" y="3429000"/>
+          <a:ext cx="4968552" cy="2804160"/>
         </p:xfrm>
         <a:graphic>
           <a:graphicData uri="http://schemas.openxmlformats.org/drawingml/2006/chart">
@@ -27719,6 +27719,47 @@
           </a:graphicData>
         </a:graphic>
       </p:graphicFrame>
+      <p:pic>
+        <p:nvPicPr>
+          <p:cNvPr id="1026" name="Picture 2" descr="Graphes du moteur Jouef"/>
+          <p:cNvPicPr>
+            <a:picLocks noChangeAspect="1" noChangeArrowheads="1"/>
+          </p:cNvPicPr>
+          <p:nvPr/>
+        </p:nvPicPr>
+        <p:blipFill>
+          <a:blip r:embed="rId3">
+            <a:extLst>
+              <a:ext uri="{28A0092B-C50C-407E-A947-70E740481C1C}">
+                <a14:useLocalDpi xmlns:a14="http://schemas.microsoft.com/office/drawing/2010/main" val="0"/>
+              </a:ext>
+            </a:extLst>
+          </a:blip>
+          <a:srcRect/>
+          <a:stretch>
+            <a:fillRect/>
+          </a:stretch>
+        </p:blipFill>
+        <p:spPr bwMode="auto">
+          <a:xfrm>
+            <a:off x="5076056" y="3341336"/>
+            <a:ext cx="3744416" cy="2964330"/>
+          </a:xfrm>
+          <a:prstGeom prst="rect">
+            <a:avLst/>
+          </a:prstGeom>
+          <a:noFill/>
+          <a:extLst>
+            <a:ext uri="{909E8E84-426E-40DD-AFC4-6F175D3DCCD1}">
+              <a14:hiddenFill xmlns:a14="http://schemas.microsoft.com/office/drawing/2010/main">
+                <a:solidFill>
+                  <a:srgbClr val="FFFFFF"/>
+                </a:solidFill>
+              </a14:hiddenFill>
+            </a:ext>
+          </a:extLst>
+        </p:spPr>
+      </p:pic>
     </p:spTree>
     <p:extLst>
       <p:ext uri="{BB962C8B-B14F-4D97-AF65-F5344CB8AC3E}">
